--- a/耶和華坐著為王(崇拜版).pptx
+++ b/耶和華坐著為王(崇拜版).pptx
@@ -5,10 +5,19 @@
     <p:sldMasterId id="2147483660" r:id="rId1"/>
   </p:sldMasterIdLst>
   <p:sldIdLst>
-    <p:sldId id="257" r:id="rId2"/>
-    <p:sldId id="258" r:id="rId3"/>
-    <p:sldId id="259" r:id="rId4"/>
-    <p:sldId id="260" r:id="rId5"/>
+    <p:sldId id="261" r:id="rId2"/>
+    <p:sldId id="262" r:id="rId3"/>
+    <p:sldId id="263" r:id="rId4"/>
+    <p:sldId id="264" r:id="rId5"/>
+    <p:sldId id="265" r:id="rId6"/>
+    <p:sldId id="266" r:id="rId7"/>
+    <p:sldId id="267" r:id="rId8"/>
+    <p:sldId id="268" r:id="rId9"/>
+    <p:sldId id="269" r:id="rId10"/>
+    <p:sldId id="270" r:id="rId11"/>
+    <p:sldId id="271" r:id="rId12"/>
+    <p:sldId id="272" r:id="rId13"/>
+    <p:sldId id="273" r:id="rId14"/>
   </p:sldIdLst>
   <p:sldSz cx="12192000" cy="6858000"/>
   <p:notesSz cx="6858000" cy="9144000"/>
@@ -107,6 +116,11 @@
       </a:defRPr>
     </a:lvl9pPr>
   </p:defaultTextStyle>
+  <p:extLst>
+    <p:ext uri="{EFAFB233-063F-42B5-8137-9DF3F51BA10A}">
+      <p15:sldGuideLst xmlns:p15="http://schemas.microsoft.com/office/powerpoint/2012/main"/>
+    </p:ext>
+  </p:extLst>
 </p:presentation>
 </file>
 
@@ -291,7 +305,7 @@
           <a:p>
             <a:fld id="{D2BBC3D4-6B1D-4215-A238-0BB1AAF1C7DF}" type="datetimeFigureOut">
               <a:rPr lang="vi-VN" smtClean="0"/>
-              <a:t>01/05/2020</a:t>
+              <a:t>09/10/2021</a:t>
             </a:fld>
             <a:endParaRPr lang="vi-VN"/>
           </a:p>
@@ -461,7 +475,7 @@
           <a:p>
             <a:fld id="{D2BBC3D4-6B1D-4215-A238-0BB1AAF1C7DF}" type="datetimeFigureOut">
               <a:rPr lang="vi-VN" smtClean="0"/>
-              <a:t>01/05/2020</a:t>
+              <a:t>09/10/2021</a:t>
             </a:fld>
             <a:endParaRPr lang="vi-VN"/>
           </a:p>
@@ -641,7 +655,7 @@
           <a:p>
             <a:fld id="{D2BBC3D4-6B1D-4215-A238-0BB1AAF1C7DF}" type="datetimeFigureOut">
               <a:rPr lang="vi-VN" smtClean="0"/>
-              <a:t>01/05/2020</a:t>
+              <a:t>09/10/2021</a:t>
             </a:fld>
             <a:endParaRPr lang="vi-VN"/>
           </a:p>
@@ -811,7 +825,7 @@
           <a:p>
             <a:fld id="{D2BBC3D4-6B1D-4215-A238-0BB1AAF1C7DF}" type="datetimeFigureOut">
               <a:rPr lang="vi-VN" smtClean="0"/>
-              <a:t>01/05/2020</a:t>
+              <a:t>09/10/2021</a:t>
             </a:fld>
             <a:endParaRPr lang="vi-VN"/>
           </a:p>
@@ -1057,7 +1071,7 @@
           <a:p>
             <a:fld id="{D2BBC3D4-6B1D-4215-A238-0BB1AAF1C7DF}" type="datetimeFigureOut">
               <a:rPr lang="vi-VN" smtClean="0"/>
-              <a:t>01/05/2020</a:t>
+              <a:t>09/10/2021</a:t>
             </a:fld>
             <a:endParaRPr lang="vi-VN"/>
           </a:p>
@@ -1345,7 +1359,7 @@
           <a:p>
             <a:fld id="{D2BBC3D4-6B1D-4215-A238-0BB1AAF1C7DF}" type="datetimeFigureOut">
               <a:rPr lang="vi-VN" smtClean="0"/>
-              <a:t>01/05/2020</a:t>
+              <a:t>09/10/2021</a:t>
             </a:fld>
             <a:endParaRPr lang="vi-VN"/>
           </a:p>
@@ -1767,7 +1781,7 @@
           <a:p>
             <a:fld id="{D2BBC3D4-6B1D-4215-A238-0BB1AAF1C7DF}" type="datetimeFigureOut">
               <a:rPr lang="vi-VN" smtClean="0"/>
-              <a:t>01/05/2020</a:t>
+              <a:t>09/10/2021</a:t>
             </a:fld>
             <a:endParaRPr lang="vi-VN"/>
           </a:p>
@@ -1885,7 +1899,7 @@
           <a:p>
             <a:fld id="{D2BBC3D4-6B1D-4215-A238-0BB1AAF1C7DF}" type="datetimeFigureOut">
               <a:rPr lang="vi-VN" smtClean="0"/>
-              <a:t>01/05/2020</a:t>
+              <a:t>09/10/2021</a:t>
             </a:fld>
             <a:endParaRPr lang="vi-VN"/>
           </a:p>
@@ -1980,7 +1994,7 @@
           <a:p>
             <a:fld id="{D2BBC3D4-6B1D-4215-A238-0BB1AAF1C7DF}" type="datetimeFigureOut">
               <a:rPr lang="vi-VN" smtClean="0"/>
-              <a:t>01/05/2020</a:t>
+              <a:t>09/10/2021</a:t>
             </a:fld>
             <a:endParaRPr lang="vi-VN"/>
           </a:p>
@@ -2257,7 +2271,7 @@
           <a:p>
             <a:fld id="{D2BBC3D4-6B1D-4215-A238-0BB1AAF1C7DF}" type="datetimeFigureOut">
               <a:rPr lang="vi-VN" smtClean="0"/>
-              <a:t>01/05/2020</a:t>
+              <a:t>09/10/2021</a:t>
             </a:fld>
             <a:endParaRPr lang="vi-VN"/>
           </a:p>
@@ -2514,7 +2528,7 @@
           <a:p>
             <a:fld id="{D2BBC3D4-6B1D-4215-A238-0BB1AAF1C7DF}" type="datetimeFigureOut">
               <a:rPr lang="vi-VN" smtClean="0"/>
-              <a:t>01/05/2020</a:t>
+              <a:t>09/10/2021</a:t>
             </a:fld>
             <a:endParaRPr lang="vi-VN"/>
           </a:p>
@@ -2732,7 +2746,7 @@
           <a:p>
             <a:fld id="{D2BBC3D4-6B1D-4215-A238-0BB1AAF1C7DF}" type="datetimeFigureOut">
               <a:rPr lang="vi-VN" smtClean="0"/>
-              <a:t>01/05/2020</a:t>
+              <a:t>09/10/2021</a:t>
             </a:fld>
             <a:endParaRPr lang="vi-VN"/>
           </a:p>
@@ -3109,7 +3123,7 @@
       </p:grpSpPr>
       <p:sp>
         <p:nvSpPr>
-          <p:cNvPr id="2" name="Title 1"/>
+          <p:cNvPr id="4" name="標題 3"/>
           <p:cNvSpPr>
             <a:spLocks noGrp="1"/>
           </p:cNvSpPr>
@@ -3117,61 +3131,134 @@
             <p:ph type="title"/>
           </p:nvPr>
         </p:nvSpPr>
-        <p:spPr/>
+        <p:spPr>
+          <a:xfrm>
+            <a:off x="0" y="2660915"/>
+            <a:ext cx="12192000" cy="1143000"/>
+          </a:xfrm>
+        </p:spPr>
         <p:txBody>
           <a:bodyPr>
+            <a:noAutofit/>
+          </a:bodyPr>
+          <a:lstStyle/>
+          <a:p>
+            <a:r>
+              <a:rPr lang="zh-TW" altLang="en-US" sz="7200" b="1" i="1" dirty="0">
+                <a:solidFill>
+                  <a:srgbClr val="000066"/>
+                </a:solidFill>
+                <a:effectLst>
+                  <a:outerShdw blurRad="38100" dist="38100" dir="2700000" algn="tl">
+                    <a:srgbClr val="000000">
+                      <a:alpha val="43137"/>
+                    </a:srgbClr>
+                  </a:outerShdw>
+                </a:effectLst>
+                <a:latin typeface="微軟正黑體" pitchFamily="34" charset="-120"/>
+                <a:ea typeface="微軟正黑體" pitchFamily="34" charset="-120"/>
+              </a:rPr>
+              <a:t>耶</a:t>
+            </a:r>
+            <a:r>
+              <a:rPr lang="zh-TW" altLang="en-US" sz="7200" b="1" i="1" dirty="0">
+                <a:solidFill>
+                  <a:srgbClr val="000066"/>
+                </a:solidFill>
+                <a:effectLst>
+                  <a:outerShdw blurRad="38100" dist="38100" dir="2700000" algn="tl">
+                    <a:srgbClr val="000000">
+                      <a:alpha val="43137"/>
+                    </a:srgbClr>
+                  </a:outerShdw>
+                </a:effectLst>
+                <a:latin typeface="微軟正黑體" pitchFamily="34" charset="-120"/>
+                <a:ea typeface="微軟正黑體" pitchFamily="34" charset="-120"/>
+              </a:rPr>
+              <a:t>和華坐著為王</a:t>
+            </a:r>
+          </a:p>
+        </p:txBody>
+      </p:sp>
+    </p:spTree>
+    <p:extLst>
+      <p:ext uri="{BB962C8B-B14F-4D97-AF65-F5344CB8AC3E}">
+        <p14:creationId xmlns:p14="http://schemas.microsoft.com/office/powerpoint/2010/main" val="841638425"/>
+      </p:ext>
+    </p:extLst>
+  </p:cSld>
+  <p:clrMapOvr>
+    <a:masterClrMapping/>
+  </p:clrMapOvr>
+</p:sld>
+</file>
+
+<file path=ppt/slides/slide10.xml><?xml version="1.0" encoding="utf-8"?>
+<p:sld xmlns:a="http://schemas.openxmlformats.org/drawingml/2006/main" xmlns:r="http://schemas.openxmlformats.org/officeDocument/2006/relationships" xmlns:p="http://schemas.openxmlformats.org/presentationml/2006/main">
+  <p:cSld>
+    <p:spTree>
+      <p:nvGrpSpPr>
+        <p:cNvPr id="1" name=""/>
+        <p:cNvGrpSpPr/>
+        <p:nvPr/>
+      </p:nvGrpSpPr>
+      <p:grpSpPr>
+        <a:xfrm>
+          <a:off x="0" y="0"/>
+          <a:ext cx="0" cy="0"/>
+          <a:chOff x="0" y="0"/>
+          <a:chExt cx="0" cy="0"/>
+        </a:xfrm>
+      </p:grpSpPr>
+      <p:sp>
+        <p:nvSpPr>
+          <p:cNvPr id="5" name="內容版面配置區 4"/>
+          <p:cNvSpPr>
+            <a:spLocks noGrp="1"/>
+          </p:cNvSpPr>
+          <p:nvPr>
+            <p:ph idx="1"/>
+          </p:nvPr>
+        </p:nvSpPr>
+        <p:spPr>
+          <a:xfrm>
+            <a:off x="0" y="2084851"/>
+            <a:ext cx="12192000" cy="2404863"/>
+          </a:xfrm>
+        </p:spPr>
+        <p:txBody>
+          <a:bodyPr anchor="ctr">
             <a:normAutofit/>
           </a:bodyPr>
           <a:lstStyle/>
           <a:p>
-            <a:r>
-              <a:rPr lang="zh-TW" altLang="en-US" sz="4800" b="1" dirty="0">
-                <a:latin typeface="Microsoft JhengHei" panose="020B0604030504040204" pitchFamily="34" charset="-120"/>
-                <a:ea typeface="Microsoft JhengHei" panose="020B0604030504040204" pitchFamily="34" charset="-120"/>
-              </a:rPr>
-              <a:t>耶和華坐著為</a:t>
-            </a:r>
-            <a:r>
-              <a:rPr lang="zh-TW" altLang="en-US" sz="4800" b="1" dirty="0" smtClean="0">
-                <a:latin typeface="Microsoft JhengHei" panose="020B0604030504040204" pitchFamily="34" charset="-120"/>
-                <a:ea typeface="Microsoft JhengHei" panose="020B0604030504040204" pitchFamily="34" charset="-120"/>
-              </a:rPr>
-              <a:t>王</a:t>
-            </a:r>
-            <a:endParaRPr lang="vi-VN" sz="4800" b="1" dirty="0">
-              <a:ea typeface="Microsoft JhengHei" panose="020B0604030504040204" pitchFamily="34" charset="-120"/>
-            </a:endParaRPr>
-          </a:p>
-        </p:txBody>
-      </p:sp>
-      <p:sp>
-        <p:nvSpPr>
-          <p:cNvPr id="3" name="Content Placeholder 2"/>
-          <p:cNvSpPr>
-            <a:spLocks noGrp="1"/>
-          </p:cNvSpPr>
-          <p:nvPr>
-            <p:ph idx="1"/>
-          </p:nvPr>
-        </p:nvSpPr>
-        <p:spPr/>
-        <p:txBody>
-          <a:bodyPr>
-            <a:normAutofit/>
-          </a:bodyPr>
-          <a:lstStyle/>
-          <a:p>
             <a:pPr marL="0" indent="0" algn="ctr">
               <a:buNone/>
             </a:pPr>
             <a:r>
-              <a:rPr lang="zh-TW" altLang="en-US" sz="5400" b="1" dirty="0">
-                <a:latin typeface="Microsoft JhengHei" panose="020B0604030504040204" pitchFamily="34" charset="-120"/>
-                <a:ea typeface="Microsoft JhengHei" panose="020B0604030504040204" pitchFamily="34" charset="-120"/>
-              </a:rPr>
-              <a:t>耶和華坐著為王 洪水氾濫的時候 </a:t>
-            </a:r>
-            <a:endParaRPr lang="en-US" altLang="zh-TW" sz="5400" b="1" dirty="0" smtClean="0">
+              <a:rPr lang="zh-TW" altLang="en-US" sz="6400" b="1" dirty="0">
+                <a:solidFill>
+                  <a:srgbClr val="000066"/>
+                </a:solidFill>
+                <a:latin typeface="Microsoft JhengHei" panose="020B0604030504040204" pitchFamily="34" charset="-120"/>
+                <a:ea typeface="Microsoft JhengHei" panose="020B0604030504040204" pitchFamily="34" charset="-120"/>
+              </a:rPr>
+              <a:t>耶和華必賜力</a:t>
+            </a:r>
+            <a:r>
+              <a:rPr lang="zh-TW" altLang="en-US" sz="6400" b="1" dirty="0">
+                <a:solidFill>
+                  <a:srgbClr val="000066"/>
+                </a:solidFill>
+                <a:latin typeface="Microsoft JhengHei" panose="020B0604030504040204" pitchFamily="34" charset="-120"/>
+                <a:ea typeface="Microsoft JhengHei" panose="020B0604030504040204" pitchFamily="34" charset="-120"/>
+              </a:rPr>
+              <a:t>量</a:t>
+            </a:r>
+            <a:endParaRPr lang="en-US" altLang="zh-TW" sz="6400" b="1" dirty="0">
+              <a:solidFill>
+                <a:srgbClr val="000066"/>
+              </a:solidFill>
               <a:latin typeface="Microsoft JhengHei" panose="020B0604030504040204" pitchFamily="34" charset="-120"/>
               <a:ea typeface="Microsoft JhengHei" panose="020B0604030504040204" pitchFamily="34" charset="-120"/>
             </a:endParaRPr>
@@ -3181,43 +3268,201 @@
               <a:buNone/>
             </a:pPr>
             <a:r>
-              <a:rPr lang="zh-TW" altLang="en-US" sz="5400" b="1" dirty="0" smtClean="0">
+              <a:rPr lang="zh-TW" altLang="en-US" sz="6400" b="1" dirty="0">
+                <a:solidFill>
+                  <a:srgbClr val="000066"/>
+                </a:solidFill>
                 <a:latin typeface="Microsoft JhengHei" panose="020B0604030504040204" pitchFamily="34" charset="-120"/>
                 <a:ea typeface="Microsoft JhengHei" panose="020B0604030504040204" pitchFamily="34" charset="-120"/>
               </a:rPr>
               <a:t>耶</a:t>
             </a:r>
             <a:r>
-              <a:rPr lang="zh-TW" altLang="en-US" sz="5400" b="1" dirty="0">
-                <a:latin typeface="Microsoft JhengHei" panose="020B0604030504040204" pitchFamily="34" charset="-120"/>
-                <a:ea typeface="Microsoft JhengHei" panose="020B0604030504040204" pitchFamily="34" charset="-120"/>
-              </a:rPr>
-              <a:t>和華坐著為王 直到永遠 </a:t>
-            </a:r>
-            <a:endParaRPr lang="en-US" altLang="zh-TW" sz="5400" b="1" dirty="0" smtClean="0">
+              <a:rPr lang="zh-TW" altLang="en-US" sz="6400" b="1" dirty="0">
+                <a:solidFill>
+                  <a:srgbClr val="000066"/>
+                </a:solidFill>
+                <a:latin typeface="Microsoft JhengHei" panose="020B0604030504040204" pitchFamily="34" charset="-120"/>
+                <a:ea typeface="Microsoft JhengHei" panose="020B0604030504040204" pitchFamily="34" charset="-120"/>
+              </a:rPr>
+              <a:t>和華必賜平安 </a:t>
+            </a:r>
+            <a:endParaRPr lang="en-US" altLang="zh-TW" sz="6400" b="1" dirty="0">
+              <a:solidFill>
+                <a:srgbClr val="000066"/>
+              </a:solidFill>
               <a:latin typeface="Microsoft JhengHei" panose="020B0604030504040204" pitchFamily="34" charset="-120"/>
               <a:ea typeface="Microsoft JhengHei" panose="020B0604030504040204" pitchFamily="34" charset="-120"/>
             </a:endParaRPr>
           </a:p>
+        </p:txBody>
+      </p:sp>
+      <p:sp>
+        <p:nvSpPr>
+          <p:cNvPr id="3" name="TextBox 2"/>
+          <p:cNvSpPr txBox="1"/>
+          <p:nvPr/>
+        </p:nvSpPr>
+        <p:spPr>
+          <a:xfrm>
+            <a:off x="0" y="5214556"/>
+            <a:ext cx="12192000" cy="707886"/>
+          </a:xfrm>
+          <a:prstGeom prst="rect">
+            <a:avLst/>
+          </a:prstGeom>
+          <a:noFill/>
+        </p:spPr>
+        <p:txBody>
+          <a:bodyPr wrap="square" rtlCol="0">
+            <a:spAutoFit/>
+          </a:bodyPr>
+          <a:lstStyle/>
+          <a:p>
+            <a:pPr algn="ctr"/>
+            <a:r>
+              <a:rPr lang="en-US" sz="4000" b="1" dirty="0">
+                <a:solidFill>
+                  <a:srgbClr val="000066"/>
+                </a:solidFill>
+                <a:effectLst/>
+                <a:latin typeface="Microsoft JhengHei" panose="020B0604030504040204" pitchFamily="34" charset="-120"/>
+                <a:ea typeface="Microsoft JhengHei" panose="020B0604030504040204" pitchFamily="34" charset="-120"/>
+              </a:rPr>
+              <a:t>( </a:t>
+            </a:r>
+            <a:r>
+              <a:rPr lang="zh-CN" altLang="en-US" sz="4000" b="1" dirty="0">
+                <a:solidFill>
+                  <a:srgbClr val="000066"/>
+                </a:solidFill>
+                <a:effectLst/>
+                <a:latin typeface="Microsoft JhengHei" panose="020B0604030504040204" pitchFamily="34" charset="-120"/>
+                <a:ea typeface="Microsoft JhengHei" panose="020B0604030504040204" pitchFamily="34" charset="-120"/>
+              </a:rPr>
+              <a:t>橋</a:t>
+            </a:r>
+            <a:r>
+              <a:rPr lang="en-US" sz="4000" b="1" dirty="0" smtClean="0">
+                <a:solidFill>
+                  <a:srgbClr val="000066"/>
+                </a:solidFill>
+                <a:effectLst/>
+                <a:latin typeface="Microsoft JhengHei" panose="020B0604030504040204" pitchFamily="34" charset="-120"/>
+                <a:ea typeface="Microsoft JhengHei" panose="020B0604030504040204" pitchFamily="34" charset="-120"/>
+              </a:rPr>
+              <a:t> </a:t>
+            </a:r>
+            <a:r>
+              <a:rPr lang="en-US" sz="4000" b="1" dirty="0">
+                <a:solidFill>
+                  <a:srgbClr val="000066"/>
+                </a:solidFill>
+                <a:effectLst/>
+                <a:latin typeface="Microsoft JhengHei" panose="020B0604030504040204" pitchFamily="34" charset="-120"/>
+                <a:ea typeface="Microsoft JhengHei" panose="020B0604030504040204" pitchFamily="34" charset="-120"/>
+              </a:rPr>
+              <a:t>)</a:t>
+            </a:r>
+            <a:endParaRPr lang="vi-VN" sz="4000" b="1" dirty="0">
+              <a:solidFill>
+                <a:srgbClr val="000066"/>
+              </a:solidFill>
+              <a:effectLst/>
+              <a:ea typeface="Microsoft JhengHei" panose="020B0604030504040204" pitchFamily="34" charset="-120"/>
+            </a:endParaRPr>
+          </a:p>
+        </p:txBody>
+      </p:sp>
+    </p:spTree>
+    <p:extLst>
+      <p:ext uri="{BB962C8B-B14F-4D97-AF65-F5344CB8AC3E}">
+        <p14:creationId xmlns:p14="http://schemas.microsoft.com/office/powerpoint/2010/main" val="666515622"/>
+      </p:ext>
+    </p:extLst>
+  </p:cSld>
+  <p:clrMapOvr>
+    <a:masterClrMapping/>
+  </p:clrMapOvr>
+</p:sld>
+</file>
+
+<file path=ppt/slides/slide11.xml><?xml version="1.0" encoding="utf-8"?>
+<p:sld xmlns:a="http://schemas.openxmlformats.org/drawingml/2006/main" xmlns:r="http://schemas.openxmlformats.org/officeDocument/2006/relationships" xmlns:p="http://schemas.openxmlformats.org/presentationml/2006/main">
+  <p:cSld>
+    <p:spTree>
+      <p:nvGrpSpPr>
+        <p:cNvPr id="1" name=""/>
+        <p:cNvGrpSpPr/>
+        <p:nvPr/>
+      </p:nvGrpSpPr>
+      <p:grpSpPr>
+        <a:xfrm>
+          <a:off x="0" y="0"/>
+          <a:ext cx="0" cy="0"/>
+          <a:chOff x="0" y="0"/>
+          <a:chExt cx="0" cy="0"/>
+        </a:xfrm>
+      </p:grpSpPr>
+      <p:sp>
+        <p:nvSpPr>
+          <p:cNvPr id="5" name="內容版面配置區 4"/>
+          <p:cNvSpPr>
+            <a:spLocks noGrp="1"/>
+          </p:cNvSpPr>
+          <p:nvPr>
+            <p:ph idx="1"/>
+          </p:nvPr>
+        </p:nvSpPr>
+        <p:spPr>
+          <a:xfrm>
+            <a:off x="0" y="2084851"/>
+            <a:ext cx="12192000" cy="2404863"/>
+          </a:xfrm>
+        </p:spPr>
+        <p:txBody>
+          <a:bodyPr anchor="ctr">
+            <a:normAutofit/>
+          </a:bodyPr>
+          <a:lstStyle/>
           <a:p>
             <a:pPr marL="0" indent="0" algn="ctr">
               <a:buNone/>
             </a:pPr>
             <a:r>
-              <a:rPr lang="zh-TW" altLang="en-US" sz="5400" b="1" dirty="0" smtClean="0">
-                <a:latin typeface="Microsoft JhengHei" panose="020B0604030504040204" pitchFamily="34" charset="-120"/>
-                <a:ea typeface="Microsoft JhengHei" panose="020B0604030504040204" pitchFamily="34" charset="-120"/>
-              </a:rPr>
-              <a:t>耶</a:t>
-            </a:r>
-            <a:r>
-              <a:rPr lang="zh-TW" altLang="en-US" sz="5400" b="1" dirty="0">
-                <a:latin typeface="Microsoft JhengHei" panose="020B0604030504040204" pitchFamily="34" charset="-120"/>
-                <a:ea typeface="Microsoft JhengHei" panose="020B0604030504040204" pitchFamily="34" charset="-120"/>
-              </a:rPr>
-              <a:t>和華坐著為王 狂風巨浪的時候 </a:t>
-            </a:r>
-            <a:endParaRPr lang="en-US" altLang="zh-TW" sz="5400" b="1" dirty="0" smtClean="0">
+              <a:rPr lang="zh-TW" altLang="en-US" sz="6400" b="1" dirty="0">
+                <a:solidFill>
+                  <a:srgbClr val="000066"/>
+                </a:solidFill>
+                <a:latin typeface="Microsoft JhengHei" panose="020B0604030504040204" pitchFamily="34" charset="-120"/>
+                <a:ea typeface="Microsoft JhengHei" panose="020B0604030504040204" pitchFamily="34" charset="-120"/>
+              </a:rPr>
+              <a:t>我</a:t>
+            </a:r>
+            <a:r>
+              <a:rPr lang="zh-TW" altLang="en-US" sz="6400" b="1" dirty="0">
+                <a:solidFill>
+                  <a:srgbClr val="000066"/>
+                </a:solidFill>
+                <a:latin typeface="Microsoft JhengHei" panose="020B0604030504040204" pitchFamily="34" charset="-120"/>
+                <a:ea typeface="Microsoft JhengHei" panose="020B0604030504040204" pitchFamily="34" charset="-120"/>
+              </a:rPr>
+              <a:t>從深處求告</a:t>
+            </a:r>
+            <a:r>
+              <a:rPr lang="zh-TW" altLang="en-US" sz="6400" b="1" dirty="0">
+                <a:solidFill>
+                  <a:srgbClr val="000066"/>
+                </a:solidFill>
+                <a:latin typeface="Microsoft JhengHei" panose="020B0604030504040204" pitchFamily="34" charset="-120"/>
+                <a:ea typeface="Microsoft JhengHei" panose="020B0604030504040204" pitchFamily="34" charset="-120"/>
+              </a:rPr>
+              <a:t>祢</a:t>
+            </a:r>
+            <a:endParaRPr lang="en-US" altLang="zh-TW" sz="6400" b="1" dirty="0">
+              <a:solidFill>
+                <a:srgbClr val="000066"/>
+              </a:solidFill>
               <a:latin typeface="Microsoft JhengHei" panose="020B0604030504040204" pitchFamily="34" charset="-120"/>
               <a:ea typeface="Microsoft JhengHei" panose="020B0604030504040204" pitchFamily="34" charset="-120"/>
             </a:endParaRPr>
@@ -3227,20 +3472,107 @@
               <a:buNone/>
             </a:pPr>
             <a:r>
-              <a:rPr lang="zh-TW" altLang="en-US" sz="5400" b="1" dirty="0" smtClean="0">
-                <a:latin typeface="Microsoft JhengHei" panose="020B0604030504040204" pitchFamily="34" charset="-120"/>
-                <a:ea typeface="Microsoft JhengHei" panose="020B0604030504040204" pitchFamily="34" charset="-120"/>
-              </a:rPr>
-              <a:t>耶</a:t>
-            </a:r>
-            <a:r>
-              <a:rPr lang="zh-TW" altLang="en-US" sz="5400" b="1" dirty="0">
-                <a:latin typeface="Microsoft JhengHei" panose="020B0604030504040204" pitchFamily="34" charset="-120"/>
-                <a:ea typeface="Microsoft JhengHei" panose="020B0604030504040204" pitchFamily="34" charset="-120"/>
-              </a:rPr>
-              <a:t>和華坐著為王 直到永遠</a:t>
-            </a:r>
-            <a:endParaRPr lang="vi-VN" sz="5400" b="1" dirty="0">
+              <a:rPr lang="zh-TW" altLang="en-US" sz="6400" b="1" dirty="0">
+                <a:solidFill>
+                  <a:srgbClr val="000066"/>
+                </a:solidFill>
+                <a:latin typeface="Microsoft JhengHei" panose="020B0604030504040204" pitchFamily="34" charset="-120"/>
+                <a:ea typeface="Microsoft JhengHei" panose="020B0604030504040204" pitchFamily="34" charset="-120"/>
+              </a:rPr>
+              <a:t>祢</a:t>
+            </a:r>
+            <a:r>
+              <a:rPr lang="zh-TW" altLang="en-US" sz="6400" b="1" dirty="0">
+                <a:solidFill>
+                  <a:srgbClr val="000066"/>
+                </a:solidFill>
+                <a:latin typeface="Microsoft JhengHei" panose="020B0604030504040204" pitchFamily="34" charset="-120"/>
+                <a:ea typeface="Microsoft JhengHei" panose="020B0604030504040204" pitchFamily="34" charset="-120"/>
+              </a:rPr>
+              <a:t>聆聽</a:t>
+            </a:r>
+            <a:endParaRPr lang="vi-VN" sz="6400" b="1" dirty="0">
+              <a:solidFill>
+                <a:srgbClr val="000066"/>
+              </a:solidFill>
+              <a:latin typeface="Microsoft JhengHei" panose="020B0604030504040204" pitchFamily="34" charset="-120"/>
+              <a:ea typeface="Microsoft JhengHei" panose="020B0604030504040204" pitchFamily="34" charset="-120"/>
+            </a:endParaRPr>
+          </a:p>
+        </p:txBody>
+      </p:sp>
+      <p:sp>
+        <p:nvSpPr>
+          <p:cNvPr id="3" name="TextBox 2"/>
+          <p:cNvSpPr txBox="1"/>
+          <p:nvPr/>
+        </p:nvSpPr>
+        <p:spPr>
+          <a:xfrm>
+            <a:off x="0" y="5214556"/>
+            <a:ext cx="12192000" cy="707886"/>
+          </a:xfrm>
+          <a:prstGeom prst="rect">
+            <a:avLst/>
+          </a:prstGeom>
+          <a:noFill/>
+        </p:spPr>
+        <p:txBody>
+          <a:bodyPr wrap="square" rtlCol="0">
+            <a:spAutoFit/>
+          </a:bodyPr>
+          <a:lstStyle/>
+          <a:p>
+            <a:pPr algn="ctr"/>
+            <a:r>
+              <a:rPr lang="en-US" sz="4000" b="1" dirty="0">
+                <a:solidFill>
+                  <a:srgbClr val="000066"/>
+                </a:solidFill>
+                <a:effectLst/>
+                <a:latin typeface="Microsoft JhengHei" panose="020B0604030504040204" pitchFamily="34" charset="-120"/>
+                <a:ea typeface="Microsoft JhengHei" panose="020B0604030504040204" pitchFamily="34" charset="-120"/>
+              </a:rPr>
+              <a:t>( </a:t>
+            </a:r>
+            <a:r>
+              <a:rPr lang="zh-CN" altLang="en-US" sz="4000" b="1" dirty="0">
+                <a:solidFill>
+                  <a:srgbClr val="000066"/>
+                </a:solidFill>
+                <a:effectLst/>
+                <a:latin typeface="Microsoft JhengHei" panose="020B0604030504040204" pitchFamily="34" charset="-120"/>
+                <a:ea typeface="Microsoft JhengHei" panose="020B0604030504040204" pitchFamily="34" charset="-120"/>
+              </a:rPr>
+              <a:t>橋</a:t>
+            </a:r>
+            <a:r>
+              <a:rPr lang="en-US" sz="4000" b="1" dirty="0" smtClean="0">
+                <a:solidFill>
+                  <a:srgbClr val="000066"/>
+                </a:solidFill>
+                <a:effectLst/>
+                <a:latin typeface="Microsoft JhengHei" panose="020B0604030504040204" pitchFamily="34" charset="-120"/>
+                <a:ea typeface="Microsoft JhengHei" panose="020B0604030504040204" pitchFamily="34" charset="-120"/>
+              </a:rPr>
+              <a:t> </a:t>
+            </a:r>
+            <a:r>
+              <a:rPr lang="en-US" sz="4000" b="1" dirty="0">
+                <a:solidFill>
+                  <a:srgbClr val="000066"/>
+                </a:solidFill>
+                <a:effectLst/>
+                <a:latin typeface="Microsoft JhengHei" panose="020B0604030504040204" pitchFamily="34" charset="-120"/>
+                <a:ea typeface="Microsoft JhengHei" panose="020B0604030504040204" pitchFamily="34" charset="-120"/>
+              </a:rPr>
+              <a:t>)</a:t>
+            </a:r>
+            <a:endParaRPr lang="vi-VN" sz="4000" b="1" dirty="0">
+              <a:solidFill>
+                <a:srgbClr val="000066"/>
+              </a:solidFill>
+              <a:effectLst/>
               <a:ea typeface="Microsoft JhengHei" panose="020B0604030504040204" pitchFamily="34" charset="-120"/>
             </a:endParaRPr>
           </a:p>
@@ -3249,7 +3581,395 @@
     </p:spTree>
     <p:extLst>
       <p:ext uri="{BB962C8B-B14F-4D97-AF65-F5344CB8AC3E}">
-        <p14:creationId xmlns:p14="http://schemas.microsoft.com/office/powerpoint/2010/main" val="3747763353"/>
+        <p14:creationId xmlns:p14="http://schemas.microsoft.com/office/powerpoint/2010/main" val="4017578816"/>
+      </p:ext>
+    </p:extLst>
+  </p:cSld>
+  <p:clrMapOvr>
+    <a:masterClrMapping/>
+  </p:clrMapOvr>
+</p:sld>
+</file>
+
+<file path=ppt/slides/slide12.xml><?xml version="1.0" encoding="utf-8"?>
+<p:sld xmlns:a="http://schemas.openxmlformats.org/drawingml/2006/main" xmlns:r="http://schemas.openxmlformats.org/officeDocument/2006/relationships" xmlns:p="http://schemas.openxmlformats.org/presentationml/2006/main">
+  <p:cSld>
+    <p:spTree>
+      <p:nvGrpSpPr>
+        <p:cNvPr id="1" name=""/>
+        <p:cNvGrpSpPr/>
+        <p:nvPr/>
+      </p:nvGrpSpPr>
+      <p:grpSpPr>
+        <a:xfrm>
+          <a:off x="0" y="0"/>
+          <a:ext cx="0" cy="0"/>
+          <a:chOff x="0" y="0"/>
+          <a:chExt cx="0" cy="0"/>
+        </a:xfrm>
+      </p:grpSpPr>
+      <p:sp>
+        <p:nvSpPr>
+          <p:cNvPr id="5" name="內容版面配置區 4"/>
+          <p:cNvSpPr>
+            <a:spLocks noGrp="1"/>
+          </p:cNvSpPr>
+          <p:nvPr>
+            <p:ph idx="1"/>
+          </p:nvPr>
+        </p:nvSpPr>
+        <p:spPr>
+          <a:xfrm>
+            <a:off x="0" y="2084851"/>
+            <a:ext cx="12192000" cy="2404863"/>
+          </a:xfrm>
+        </p:spPr>
+        <p:txBody>
+          <a:bodyPr anchor="ctr">
+            <a:normAutofit/>
+          </a:bodyPr>
+          <a:lstStyle/>
+          <a:p>
+            <a:pPr marL="0" indent="0" algn="ctr">
+              <a:buNone/>
+            </a:pPr>
+            <a:r>
+              <a:rPr lang="zh-TW" altLang="en-US" sz="6400" b="1" dirty="0">
+                <a:solidFill>
+                  <a:srgbClr val="000066"/>
+                </a:solidFill>
+                <a:latin typeface="Microsoft JhengHei" panose="020B0604030504040204" pitchFamily="34" charset="-120"/>
+                <a:ea typeface="Microsoft JhengHei" panose="020B0604030504040204" pitchFamily="34" charset="-120"/>
+              </a:rPr>
+              <a:t>耶和華必賜力</a:t>
+            </a:r>
+            <a:r>
+              <a:rPr lang="zh-TW" altLang="en-US" sz="6400" b="1" dirty="0">
+                <a:solidFill>
+                  <a:srgbClr val="000066"/>
+                </a:solidFill>
+                <a:latin typeface="Microsoft JhengHei" panose="020B0604030504040204" pitchFamily="34" charset="-120"/>
+                <a:ea typeface="Microsoft JhengHei" panose="020B0604030504040204" pitchFamily="34" charset="-120"/>
+              </a:rPr>
+              <a:t>量</a:t>
+            </a:r>
+            <a:endParaRPr lang="en-US" altLang="zh-TW" sz="6400" b="1" dirty="0">
+              <a:solidFill>
+                <a:srgbClr val="000066"/>
+              </a:solidFill>
+              <a:latin typeface="Microsoft JhengHei" panose="020B0604030504040204" pitchFamily="34" charset="-120"/>
+              <a:ea typeface="Microsoft JhengHei" panose="020B0604030504040204" pitchFamily="34" charset="-120"/>
+            </a:endParaRPr>
+          </a:p>
+          <a:p>
+            <a:pPr marL="0" indent="0" algn="ctr">
+              <a:buNone/>
+            </a:pPr>
+            <a:r>
+              <a:rPr lang="zh-TW" altLang="en-US" sz="6400" b="1" dirty="0">
+                <a:solidFill>
+                  <a:srgbClr val="000066"/>
+                </a:solidFill>
+                <a:latin typeface="Microsoft JhengHei" panose="020B0604030504040204" pitchFamily="34" charset="-120"/>
+                <a:ea typeface="Microsoft JhengHei" panose="020B0604030504040204" pitchFamily="34" charset="-120"/>
+              </a:rPr>
+              <a:t>耶</a:t>
+            </a:r>
+            <a:r>
+              <a:rPr lang="zh-TW" altLang="en-US" sz="6400" b="1" dirty="0">
+                <a:solidFill>
+                  <a:srgbClr val="000066"/>
+                </a:solidFill>
+                <a:latin typeface="Microsoft JhengHei" panose="020B0604030504040204" pitchFamily="34" charset="-120"/>
+                <a:ea typeface="Microsoft JhengHei" panose="020B0604030504040204" pitchFamily="34" charset="-120"/>
+              </a:rPr>
+              <a:t>和華必賜平安 </a:t>
+            </a:r>
+            <a:endParaRPr lang="en-US" altLang="zh-TW" sz="6400" b="1" dirty="0">
+              <a:solidFill>
+                <a:srgbClr val="000066"/>
+              </a:solidFill>
+              <a:latin typeface="Microsoft JhengHei" panose="020B0604030504040204" pitchFamily="34" charset="-120"/>
+              <a:ea typeface="Microsoft JhengHei" panose="020B0604030504040204" pitchFamily="34" charset="-120"/>
+            </a:endParaRPr>
+          </a:p>
+        </p:txBody>
+      </p:sp>
+      <p:sp>
+        <p:nvSpPr>
+          <p:cNvPr id="3" name="TextBox 2"/>
+          <p:cNvSpPr txBox="1"/>
+          <p:nvPr/>
+        </p:nvSpPr>
+        <p:spPr>
+          <a:xfrm>
+            <a:off x="0" y="5214556"/>
+            <a:ext cx="12192000" cy="707886"/>
+          </a:xfrm>
+          <a:prstGeom prst="rect">
+            <a:avLst/>
+          </a:prstGeom>
+          <a:noFill/>
+        </p:spPr>
+        <p:txBody>
+          <a:bodyPr wrap="square" rtlCol="0">
+            <a:spAutoFit/>
+          </a:bodyPr>
+          <a:lstStyle/>
+          <a:p>
+            <a:pPr algn="ctr"/>
+            <a:r>
+              <a:rPr lang="en-US" sz="4000" b="1" dirty="0">
+                <a:solidFill>
+                  <a:srgbClr val="000066"/>
+                </a:solidFill>
+                <a:effectLst/>
+                <a:latin typeface="Microsoft JhengHei" panose="020B0604030504040204" pitchFamily="34" charset="-120"/>
+                <a:ea typeface="Microsoft JhengHei" panose="020B0604030504040204" pitchFamily="34" charset="-120"/>
+              </a:rPr>
+              <a:t>( </a:t>
+            </a:r>
+            <a:r>
+              <a:rPr lang="zh-CN" altLang="en-US" sz="4000" b="1" dirty="0">
+                <a:solidFill>
+                  <a:srgbClr val="000066"/>
+                </a:solidFill>
+                <a:effectLst/>
+                <a:latin typeface="Microsoft JhengHei" panose="020B0604030504040204" pitchFamily="34" charset="-120"/>
+                <a:ea typeface="Microsoft JhengHei" panose="020B0604030504040204" pitchFamily="34" charset="-120"/>
+              </a:rPr>
+              <a:t>橋</a:t>
+            </a:r>
+            <a:r>
+              <a:rPr lang="en-US" sz="4000" b="1" dirty="0" smtClean="0">
+                <a:solidFill>
+                  <a:srgbClr val="000066"/>
+                </a:solidFill>
+                <a:effectLst/>
+                <a:latin typeface="Microsoft JhengHei" panose="020B0604030504040204" pitchFamily="34" charset="-120"/>
+                <a:ea typeface="Microsoft JhengHei" panose="020B0604030504040204" pitchFamily="34" charset="-120"/>
+              </a:rPr>
+              <a:t> </a:t>
+            </a:r>
+            <a:r>
+              <a:rPr lang="en-US" sz="4000" b="1" dirty="0">
+                <a:solidFill>
+                  <a:srgbClr val="000066"/>
+                </a:solidFill>
+                <a:effectLst/>
+                <a:latin typeface="Microsoft JhengHei" panose="020B0604030504040204" pitchFamily="34" charset="-120"/>
+                <a:ea typeface="Microsoft JhengHei" panose="020B0604030504040204" pitchFamily="34" charset="-120"/>
+              </a:rPr>
+              <a:t>)</a:t>
+            </a:r>
+            <a:endParaRPr lang="vi-VN" sz="4000" b="1" dirty="0">
+              <a:solidFill>
+                <a:srgbClr val="000066"/>
+              </a:solidFill>
+              <a:effectLst/>
+              <a:ea typeface="Microsoft JhengHei" panose="020B0604030504040204" pitchFamily="34" charset="-120"/>
+            </a:endParaRPr>
+          </a:p>
+        </p:txBody>
+      </p:sp>
+    </p:spTree>
+    <p:extLst>
+      <p:ext uri="{BB962C8B-B14F-4D97-AF65-F5344CB8AC3E}">
+        <p14:creationId xmlns:p14="http://schemas.microsoft.com/office/powerpoint/2010/main" val="3654508232"/>
+      </p:ext>
+    </p:extLst>
+  </p:cSld>
+  <p:clrMapOvr>
+    <a:masterClrMapping/>
+  </p:clrMapOvr>
+</p:sld>
+</file>
+
+<file path=ppt/slides/slide13.xml><?xml version="1.0" encoding="utf-8"?>
+<p:sld xmlns:a="http://schemas.openxmlformats.org/drawingml/2006/main" xmlns:r="http://schemas.openxmlformats.org/officeDocument/2006/relationships" xmlns:p="http://schemas.openxmlformats.org/presentationml/2006/main">
+  <p:cSld>
+    <p:spTree>
+      <p:nvGrpSpPr>
+        <p:cNvPr id="1" name=""/>
+        <p:cNvGrpSpPr/>
+        <p:nvPr/>
+      </p:nvGrpSpPr>
+      <p:grpSpPr>
+        <a:xfrm>
+          <a:off x="0" y="0"/>
+          <a:ext cx="0" cy="0"/>
+          <a:chOff x="0" y="0"/>
+          <a:chExt cx="0" cy="0"/>
+        </a:xfrm>
+      </p:grpSpPr>
+      <p:sp>
+        <p:nvSpPr>
+          <p:cNvPr id="5" name="內容版面配置區 4"/>
+          <p:cNvSpPr>
+            <a:spLocks noGrp="1"/>
+          </p:cNvSpPr>
+          <p:nvPr>
+            <p:ph idx="1"/>
+          </p:nvPr>
+        </p:nvSpPr>
+        <p:spPr>
+          <a:xfrm>
+            <a:off x="0" y="2084851"/>
+            <a:ext cx="12192000" cy="2404863"/>
+          </a:xfrm>
+        </p:spPr>
+        <p:txBody>
+          <a:bodyPr anchor="ctr">
+            <a:normAutofit/>
+          </a:bodyPr>
+          <a:lstStyle/>
+          <a:p>
+            <a:pPr marL="0" indent="0" algn="ctr">
+              <a:buNone/>
+            </a:pPr>
+            <a:r>
+              <a:rPr lang="zh-TW" altLang="en-US" sz="6400" b="1" dirty="0">
+                <a:solidFill>
+                  <a:srgbClr val="000066"/>
+                </a:solidFill>
+                <a:latin typeface="Microsoft JhengHei" panose="020B0604030504040204" pitchFamily="34" charset="-120"/>
+                <a:ea typeface="Microsoft JhengHei" panose="020B0604030504040204" pitchFamily="34" charset="-120"/>
+              </a:rPr>
+              <a:t>因祢豐盛的救</a:t>
+            </a:r>
+            <a:r>
+              <a:rPr lang="zh-TW" altLang="en-US" sz="6400" b="1" dirty="0">
+                <a:solidFill>
+                  <a:srgbClr val="000066"/>
+                </a:solidFill>
+                <a:latin typeface="Microsoft JhengHei" panose="020B0604030504040204" pitchFamily="34" charset="-120"/>
+                <a:ea typeface="Microsoft JhengHei" panose="020B0604030504040204" pitchFamily="34" charset="-120"/>
+              </a:rPr>
+              <a:t>恩</a:t>
+            </a:r>
+            <a:endParaRPr lang="en-US" altLang="zh-TW" sz="6400" b="1" dirty="0">
+              <a:solidFill>
+                <a:srgbClr val="000066"/>
+              </a:solidFill>
+              <a:latin typeface="Microsoft JhengHei" panose="020B0604030504040204" pitchFamily="34" charset="-120"/>
+              <a:ea typeface="Microsoft JhengHei" panose="020B0604030504040204" pitchFamily="34" charset="-120"/>
+            </a:endParaRPr>
+          </a:p>
+          <a:p>
+            <a:pPr marL="0" indent="0" algn="ctr">
+              <a:buNone/>
+            </a:pPr>
+            <a:r>
+              <a:rPr lang="zh-TW" altLang="en-US" sz="6400" b="1" dirty="0">
+                <a:solidFill>
+                  <a:srgbClr val="000066"/>
+                </a:solidFill>
+                <a:latin typeface="Microsoft JhengHei" panose="020B0604030504040204" pitchFamily="34" charset="-120"/>
+                <a:ea typeface="Microsoft JhengHei" panose="020B0604030504040204" pitchFamily="34" charset="-120"/>
+              </a:rPr>
+              <a:t>我</a:t>
+            </a:r>
+            <a:r>
+              <a:rPr lang="zh-TW" altLang="en-US" sz="6400" b="1" dirty="0">
+                <a:solidFill>
+                  <a:srgbClr val="000066"/>
+                </a:solidFill>
+                <a:latin typeface="Microsoft JhengHei" panose="020B0604030504040204" pitchFamily="34" charset="-120"/>
+                <a:ea typeface="Microsoft JhengHei" panose="020B0604030504040204" pitchFamily="34" charset="-120"/>
+              </a:rPr>
+              <a:t>仰望祢</a:t>
+            </a:r>
+            <a:endParaRPr lang="vi-VN" sz="6400" b="1" dirty="0">
+              <a:solidFill>
+                <a:srgbClr val="000066"/>
+              </a:solidFill>
+              <a:latin typeface="Microsoft JhengHei" panose="020B0604030504040204" pitchFamily="34" charset="-120"/>
+              <a:ea typeface="Microsoft JhengHei" panose="020B0604030504040204" pitchFamily="34" charset="-120"/>
+            </a:endParaRPr>
+          </a:p>
+        </p:txBody>
+      </p:sp>
+      <p:sp>
+        <p:nvSpPr>
+          <p:cNvPr id="3" name="TextBox 2"/>
+          <p:cNvSpPr txBox="1"/>
+          <p:nvPr/>
+        </p:nvSpPr>
+        <p:spPr>
+          <a:xfrm>
+            <a:off x="0" y="5214556"/>
+            <a:ext cx="12192000" cy="707886"/>
+          </a:xfrm>
+          <a:prstGeom prst="rect">
+            <a:avLst/>
+          </a:prstGeom>
+          <a:noFill/>
+        </p:spPr>
+        <p:txBody>
+          <a:bodyPr wrap="square" rtlCol="0">
+            <a:spAutoFit/>
+          </a:bodyPr>
+          <a:lstStyle/>
+          <a:p>
+            <a:pPr algn="ctr"/>
+            <a:r>
+              <a:rPr lang="en-US" sz="4000" b="1" dirty="0">
+                <a:solidFill>
+                  <a:srgbClr val="000066"/>
+                </a:solidFill>
+                <a:effectLst/>
+                <a:latin typeface="Microsoft JhengHei" panose="020B0604030504040204" pitchFamily="34" charset="-120"/>
+                <a:ea typeface="Microsoft JhengHei" panose="020B0604030504040204" pitchFamily="34" charset="-120"/>
+              </a:rPr>
+              <a:t>( </a:t>
+            </a:r>
+            <a:r>
+              <a:rPr lang="zh-CN" altLang="en-US" sz="4000" b="1" dirty="0">
+                <a:solidFill>
+                  <a:srgbClr val="000066"/>
+                </a:solidFill>
+                <a:effectLst/>
+                <a:latin typeface="Microsoft JhengHei" panose="020B0604030504040204" pitchFamily="34" charset="-120"/>
+                <a:ea typeface="Microsoft JhengHei" panose="020B0604030504040204" pitchFamily="34" charset="-120"/>
+              </a:rPr>
+              <a:t>橋</a:t>
+            </a:r>
+            <a:r>
+              <a:rPr lang="en-US" sz="4000" b="1" dirty="0" smtClean="0">
+                <a:solidFill>
+                  <a:srgbClr val="000066"/>
+                </a:solidFill>
+                <a:effectLst/>
+                <a:latin typeface="Microsoft JhengHei" panose="020B0604030504040204" pitchFamily="34" charset="-120"/>
+                <a:ea typeface="Microsoft JhengHei" panose="020B0604030504040204" pitchFamily="34" charset="-120"/>
+              </a:rPr>
+              <a:t> </a:t>
+            </a:r>
+            <a:r>
+              <a:rPr lang="en-US" sz="4000" b="1" dirty="0">
+                <a:solidFill>
+                  <a:srgbClr val="000066"/>
+                </a:solidFill>
+                <a:effectLst/>
+                <a:latin typeface="Microsoft JhengHei" panose="020B0604030504040204" pitchFamily="34" charset="-120"/>
+                <a:ea typeface="Microsoft JhengHei" panose="020B0604030504040204" pitchFamily="34" charset="-120"/>
+              </a:rPr>
+              <a:t>)</a:t>
+            </a:r>
+            <a:endParaRPr lang="vi-VN" sz="4000" b="1" dirty="0">
+              <a:solidFill>
+                <a:srgbClr val="000066"/>
+              </a:solidFill>
+              <a:effectLst/>
+              <a:ea typeface="Microsoft JhengHei" panose="020B0604030504040204" pitchFamily="34" charset="-120"/>
+            </a:endParaRPr>
+          </a:p>
+        </p:txBody>
+      </p:sp>
+    </p:spTree>
+    <p:extLst>
+      <p:ext uri="{BB962C8B-B14F-4D97-AF65-F5344CB8AC3E}">
+        <p14:creationId xmlns:p14="http://schemas.microsoft.com/office/powerpoint/2010/main" val="3531446994"/>
       </p:ext>
     </p:extLst>
   </p:cSld>
@@ -3278,139 +3998,143 @@
       </p:grpSpPr>
       <p:sp>
         <p:nvSpPr>
-          <p:cNvPr id="2" name="Title 1"/>
-          <p:cNvSpPr>
-            <a:spLocks noGrp="1"/>
-          </p:cNvSpPr>
-          <p:nvPr>
-            <p:ph type="title"/>
-          </p:nvPr>
-        </p:nvSpPr>
-        <p:spPr/>
-        <p:txBody>
-          <a:bodyPr>
+          <p:cNvPr id="5" name="內容版面配置區 4"/>
+          <p:cNvSpPr>
+            <a:spLocks noGrp="1"/>
+          </p:cNvSpPr>
+          <p:nvPr>
+            <p:ph idx="1"/>
+          </p:nvPr>
+        </p:nvSpPr>
+        <p:spPr>
+          <a:xfrm>
+            <a:off x="0" y="2084851"/>
+            <a:ext cx="12192000" cy="2404863"/>
+          </a:xfrm>
+        </p:spPr>
+        <p:txBody>
+          <a:bodyPr anchor="ctr">
             <a:normAutofit/>
           </a:bodyPr>
           <a:lstStyle/>
           <a:p>
-            <a:r>
-              <a:rPr lang="zh-TW" altLang="en-US" sz="4800" b="1" dirty="0">
-                <a:latin typeface="Microsoft JhengHei" panose="020B0604030504040204" pitchFamily="34" charset="-120"/>
-                <a:ea typeface="Microsoft JhengHei" panose="020B0604030504040204" pitchFamily="34" charset="-120"/>
-              </a:rPr>
-              <a:t>耶和華坐著為</a:t>
-            </a:r>
-            <a:r>
-              <a:rPr lang="zh-TW" altLang="en-US" sz="4800" b="1" dirty="0" smtClean="0">
-                <a:latin typeface="Microsoft JhengHei" panose="020B0604030504040204" pitchFamily="34" charset="-120"/>
-                <a:ea typeface="Microsoft JhengHei" panose="020B0604030504040204" pitchFamily="34" charset="-120"/>
-              </a:rPr>
-              <a:t>王</a:t>
-            </a:r>
-            <a:endParaRPr lang="vi-VN" sz="4800" b="1" dirty="0">
-              <a:ea typeface="Microsoft JhengHei" panose="020B0604030504040204" pitchFamily="34" charset="-120"/>
-            </a:endParaRPr>
-          </a:p>
-        </p:txBody>
-      </p:sp>
-      <p:sp>
-        <p:nvSpPr>
-          <p:cNvPr id="3" name="Content Placeholder 2"/>
-          <p:cNvSpPr>
-            <a:spLocks noGrp="1"/>
-          </p:cNvSpPr>
-          <p:nvPr>
-            <p:ph idx="1"/>
-          </p:nvPr>
-        </p:nvSpPr>
-        <p:spPr/>
-        <p:txBody>
-          <a:bodyPr>
-            <a:normAutofit/>
-          </a:bodyPr>
-          <a:lstStyle/>
-          <a:p>
-            <a:pPr marL="0" indent="0" algn="ctr">
+            <a:pPr algn="ctr">
               <a:buNone/>
             </a:pPr>
             <a:r>
-              <a:rPr lang="zh-TW" altLang="en-US" sz="5400" b="1" dirty="0">
-                <a:latin typeface="Microsoft JhengHei" panose="020B0604030504040204" pitchFamily="34" charset="-120"/>
-                <a:ea typeface="Microsoft JhengHei" panose="020B0604030504040204" pitchFamily="34" charset="-120"/>
-              </a:rPr>
-              <a:t>耶和華超乎萬民之上 </a:t>
-            </a:r>
-            <a:endParaRPr lang="en-US" altLang="zh-TW" sz="5400" b="1" dirty="0">
+              <a:rPr lang="zh-TW" altLang="en-US" sz="6400" b="1" dirty="0">
+                <a:solidFill>
+                  <a:srgbClr val="000066"/>
+                </a:solidFill>
+                <a:latin typeface="Microsoft JhengHei" panose="020B0604030504040204" pitchFamily="34" charset="-120"/>
+                <a:ea typeface="Microsoft JhengHei" panose="020B0604030504040204" pitchFamily="34" charset="-120"/>
+              </a:rPr>
+              <a:t>耶和華坐著為王</a:t>
+            </a:r>
+            <a:endParaRPr lang="en-US" altLang="zh-TW" sz="6400" b="1" dirty="0">
+              <a:solidFill>
+                <a:srgbClr val="000066"/>
+              </a:solidFill>
               <a:latin typeface="Microsoft JhengHei" panose="020B0604030504040204" pitchFamily="34" charset="-120"/>
               <a:ea typeface="Microsoft JhengHei" panose="020B0604030504040204" pitchFamily="34" charset="-120"/>
             </a:endParaRPr>
           </a:p>
           <a:p>
-            <a:pPr marL="0" indent="0" algn="ctr">
+            <a:pPr algn="ctr">
               <a:buNone/>
             </a:pPr>
             <a:r>
-              <a:rPr lang="zh-TW" altLang="en-US" sz="5400" b="1" dirty="0">
-                <a:latin typeface="Microsoft JhengHei" panose="020B0604030504040204" pitchFamily="34" charset="-120"/>
-                <a:ea typeface="Microsoft JhengHei" panose="020B0604030504040204" pitchFamily="34" charset="-120"/>
-              </a:rPr>
-              <a:t>祢</a:t>
-            </a:r>
-            <a:r>
-              <a:rPr lang="zh-TW" altLang="en-US" sz="5400" b="1" dirty="0">
-                <a:latin typeface="Microsoft JhengHei" panose="020B0604030504040204" pitchFamily="34" charset="-120"/>
-                <a:ea typeface="Microsoft JhengHei" panose="020B0604030504040204" pitchFamily="34" charset="-120"/>
-              </a:rPr>
-              <a:t>的榮耀高過諸天 </a:t>
-            </a:r>
-            <a:endParaRPr lang="en-US" altLang="zh-TW" sz="5400" b="1" dirty="0">
-              <a:latin typeface="Microsoft JhengHei" panose="020B0604030504040204" pitchFamily="34" charset="-120"/>
-              <a:ea typeface="Microsoft JhengHei" panose="020B0604030504040204" pitchFamily="34" charset="-120"/>
+              <a:rPr lang="zh-TW" altLang="en-US" sz="6400" b="1" dirty="0">
+                <a:solidFill>
+                  <a:srgbClr val="000066"/>
+                </a:solidFill>
+                <a:latin typeface="Microsoft JhengHei" panose="020B0604030504040204" pitchFamily="34" charset="-120"/>
+                <a:ea typeface="Microsoft JhengHei" panose="020B0604030504040204" pitchFamily="34" charset="-120"/>
+              </a:rPr>
+              <a:t>洪水氾濫的時候</a:t>
+            </a:r>
+            <a:endParaRPr lang="en-US" altLang="zh-TW" sz="6400" b="1" dirty="0">
+              <a:solidFill>
+                <a:srgbClr val="000066"/>
+              </a:solidFill>
+              <a:latin typeface="微軟正黑體" pitchFamily="34" charset="-120"/>
+              <a:ea typeface="微軟正黑體" pitchFamily="34" charset="-120"/>
             </a:endParaRPr>
           </a:p>
-          <a:p>
-            <a:pPr marL="0" indent="0" algn="ctr">
-              <a:buNone/>
-            </a:pPr>
-            <a:r>
-              <a:rPr lang="zh-TW" altLang="en-US" sz="5400" b="1" dirty="0">
-                <a:latin typeface="Microsoft JhengHei" panose="020B0604030504040204" pitchFamily="34" charset="-120"/>
-                <a:ea typeface="Microsoft JhengHei" panose="020B0604030504040204" pitchFamily="34" charset="-120"/>
-              </a:rPr>
-              <a:t>我</a:t>
-            </a:r>
-            <a:r>
-              <a:rPr lang="zh-TW" altLang="en-US" sz="5400" b="1" dirty="0">
-                <a:latin typeface="Microsoft JhengHei" panose="020B0604030504040204" pitchFamily="34" charset="-120"/>
-                <a:ea typeface="Microsoft JhengHei" panose="020B0604030504040204" pitchFamily="34" charset="-120"/>
-              </a:rPr>
-              <a:t>讚美祢主耶和華 </a:t>
-            </a:r>
-            <a:endParaRPr lang="en-US" altLang="zh-TW" sz="5400" b="1" dirty="0">
-              <a:latin typeface="Microsoft JhengHei" panose="020B0604030504040204" pitchFamily="34" charset="-120"/>
-              <a:ea typeface="Microsoft JhengHei" panose="020B0604030504040204" pitchFamily="34" charset="-120"/>
-            </a:endParaRPr>
-          </a:p>
-          <a:p>
-            <a:pPr marL="0" indent="0" algn="ctr">
-              <a:buNone/>
-            </a:pPr>
-            <a:r>
-              <a:rPr lang="zh-TW" altLang="en-US" sz="5400" b="1" dirty="0">
-                <a:latin typeface="Microsoft JhengHei" panose="020B0604030504040204" pitchFamily="34" charset="-120"/>
-                <a:ea typeface="Microsoft JhengHei" panose="020B0604030504040204" pitchFamily="34" charset="-120"/>
-              </a:rPr>
-              <a:t>唯</a:t>
-            </a:r>
-            <a:r>
-              <a:rPr lang="zh-TW" altLang="en-US" sz="5400" b="1" dirty="0">
-                <a:latin typeface="Microsoft JhengHei" panose="020B0604030504040204" pitchFamily="34" charset="-120"/>
-                <a:ea typeface="Microsoft JhengHei" panose="020B0604030504040204" pitchFamily="34" charset="-120"/>
-              </a:rPr>
-              <a:t>有祢 祢的名被尊崇</a:t>
-            </a:r>
-            <a:endParaRPr lang="vi-VN" sz="5400" b="1" dirty="0">
-              <a:latin typeface="Microsoft JhengHei" panose="020B0604030504040204" pitchFamily="34" charset="-120"/>
+        </p:txBody>
+      </p:sp>
+      <p:sp>
+        <p:nvSpPr>
+          <p:cNvPr id="3" name="TextBox 2"/>
+          <p:cNvSpPr txBox="1"/>
+          <p:nvPr/>
+        </p:nvSpPr>
+        <p:spPr>
+          <a:xfrm>
+            <a:off x="0" y="5214556"/>
+            <a:ext cx="12192000" cy="707886"/>
+          </a:xfrm>
+          <a:prstGeom prst="rect">
+            <a:avLst/>
+          </a:prstGeom>
+          <a:noFill/>
+        </p:spPr>
+        <p:txBody>
+          <a:bodyPr wrap="square" rtlCol="0">
+            <a:spAutoFit/>
+          </a:bodyPr>
+          <a:lstStyle/>
+          <a:p>
+            <a:pPr algn="ctr"/>
+            <a:r>
+              <a:rPr lang="en-US" sz="4000" b="1" dirty="0">
+                <a:solidFill>
+                  <a:srgbClr val="000066"/>
+                </a:solidFill>
+                <a:effectLst/>
+                <a:latin typeface="Microsoft JhengHei" panose="020B0604030504040204" pitchFamily="34" charset="-120"/>
+                <a:ea typeface="Microsoft JhengHei" panose="020B0604030504040204" pitchFamily="34" charset="-120"/>
+              </a:rPr>
+              <a:t>( </a:t>
+            </a:r>
+            <a:r>
+              <a:rPr lang="zh-CN" altLang="en-US" sz="4000" b="1" dirty="0" smtClean="0">
+                <a:solidFill>
+                  <a:srgbClr val="000066"/>
+                </a:solidFill>
+                <a:effectLst/>
+                <a:latin typeface="Microsoft JhengHei" panose="020B0604030504040204" pitchFamily="34" charset="-120"/>
+                <a:ea typeface="Microsoft JhengHei" panose="020B0604030504040204" pitchFamily="34" charset="-120"/>
+              </a:rPr>
+              <a:t>正</a:t>
+            </a:r>
+            <a:r>
+              <a:rPr lang="en-US" sz="4000" b="1" dirty="0" smtClean="0">
+                <a:solidFill>
+                  <a:srgbClr val="000066"/>
+                </a:solidFill>
+                <a:effectLst/>
+                <a:latin typeface="Microsoft JhengHei" panose="020B0604030504040204" pitchFamily="34" charset="-120"/>
+                <a:ea typeface="Microsoft JhengHei" panose="020B0604030504040204" pitchFamily="34" charset="-120"/>
+              </a:rPr>
+              <a:t> </a:t>
+            </a:r>
+            <a:r>
+              <a:rPr lang="en-US" sz="4000" b="1" dirty="0">
+                <a:solidFill>
+                  <a:srgbClr val="000066"/>
+                </a:solidFill>
+                <a:effectLst/>
+                <a:latin typeface="Microsoft JhengHei" panose="020B0604030504040204" pitchFamily="34" charset="-120"/>
+                <a:ea typeface="Microsoft JhengHei" panose="020B0604030504040204" pitchFamily="34" charset="-120"/>
+              </a:rPr>
+              <a:t>)</a:t>
+            </a:r>
+            <a:endParaRPr lang="vi-VN" sz="4000" b="1" dirty="0">
+              <a:solidFill>
+                <a:srgbClr val="000066"/>
+              </a:solidFill>
+              <a:effectLst/>
               <a:ea typeface="Microsoft JhengHei" panose="020B0604030504040204" pitchFamily="34" charset="-120"/>
             </a:endParaRPr>
           </a:p>
@@ -3419,7 +4143,7 @@
     </p:spTree>
     <p:extLst>
       <p:ext uri="{BB962C8B-B14F-4D97-AF65-F5344CB8AC3E}">
-        <p14:creationId xmlns:p14="http://schemas.microsoft.com/office/powerpoint/2010/main" val="1911882350"/>
+        <p14:creationId xmlns:p14="http://schemas.microsoft.com/office/powerpoint/2010/main" val="1278131374"/>
       </p:ext>
     </p:extLst>
   </p:cSld>
@@ -3448,139 +4172,143 @@
       </p:grpSpPr>
       <p:sp>
         <p:nvSpPr>
-          <p:cNvPr id="2" name="Title 1"/>
-          <p:cNvSpPr>
-            <a:spLocks noGrp="1"/>
-          </p:cNvSpPr>
-          <p:nvPr>
-            <p:ph type="title"/>
-          </p:nvPr>
-        </p:nvSpPr>
-        <p:spPr/>
-        <p:txBody>
-          <a:bodyPr>
+          <p:cNvPr id="5" name="內容版面配置區 4"/>
+          <p:cNvSpPr>
+            <a:spLocks noGrp="1"/>
+          </p:cNvSpPr>
+          <p:nvPr>
+            <p:ph idx="1"/>
+          </p:nvPr>
+        </p:nvSpPr>
+        <p:spPr>
+          <a:xfrm>
+            <a:off x="0" y="2084851"/>
+            <a:ext cx="12192000" cy="2404863"/>
+          </a:xfrm>
+        </p:spPr>
+        <p:txBody>
+          <a:bodyPr anchor="ctr">
             <a:normAutofit/>
           </a:bodyPr>
           <a:lstStyle/>
           <a:p>
-            <a:r>
-              <a:rPr lang="zh-TW" altLang="en-US" sz="4800" b="1" dirty="0">
-                <a:latin typeface="Microsoft JhengHei" panose="020B0604030504040204" pitchFamily="34" charset="-120"/>
-                <a:ea typeface="Microsoft JhengHei" panose="020B0604030504040204" pitchFamily="34" charset="-120"/>
-              </a:rPr>
-              <a:t>耶和華坐著為</a:t>
-            </a:r>
-            <a:r>
-              <a:rPr lang="zh-TW" altLang="en-US" sz="4800" b="1" dirty="0" smtClean="0">
-                <a:latin typeface="Microsoft JhengHei" panose="020B0604030504040204" pitchFamily="34" charset="-120"/>
-                <a:ea typeface="Microsoft JhengHei" panose="020B0604030504040204" pitchFamily="34" charset="-120"/>
-              </a:rPr>
-              <a:t>王</a:t>
-            </a:r>
-            <a:endParaRPr lang="vi-VN" sz="4800" b="1" dirty="0">
-              <a:ea typeface="Microsoft JhengHei" panose="020B0604030504040204" pitchFamily="34" charset="-120"/>
-            </a:endParaRPr>
-          </a:p>
-        </p:txBody>
-      </p:sp>
-      <p:sp>
-        <p:nvSpPr>
-          <p:cNvPr id="3" name="Content Placeholder 2"/>
-          <p:cNvSpPr>
-            <a:spLocks noGrp="1"/>
-          </p:cNvSpPr>
-          <p:nvPr>
-            <p:ph idx="1"/>
-          </p:nvPr>
-        </p:nvSpPr>
-        <p:spPr/>
-        <p:txBody>
-          <a:bodyPr>
-            <a:normAutofit/>
-          </a:bodyPr>
-          <a:lstStyle/>
-          <a:p>
-            <a:pPr marL="0" indent="0" algn="ctr">
+            <a:pPr algn="ctr">
               <a:buNone/>
             </a:pPr>
             <a:r>
-              <a:rPr lang="zh-TW" altLang="en-US" sz="5400" b="1" dirty="0">
-                <a:latin typeface="Microsoft JhengHei" panose="020B0604030504040204" pitchFamily="34" charset="-120"/>
-                <a:ea typeface="Microsoft JhengHei" panose="020B0604030504040204" pitchFamily="34" charset="-120"/>
-              </a:rPr>
-              <a:t>耶和華超乎萬民之上 </a:t>
-            </a:r>
-            <a:endParaRPr lang="en-US" altLang="zh-TW" sz="5400" b="1" dirty="0">
+              <a:rPr lang="zh-TW" altLang="en-US" sz="6400" b="1" dirty="0">
+                <a:solidFill>
+                  <a:srgbClr val="000066"/>
+                </a:solidFill>
+                <a:latin typeface="Microsoft JhengHei" panose="020B0604030504040204" pitchFamily="34" charset="-120"/>
+                <a:ea typeface="Microsoft JhengHei" panose="020B0604030504040204" pitchFamily="34" charset="-120"/>
+              </a:rPr>
+              <a:t>耶和華坐著為王</a:t>
+            </a:r>
+            <a:endParaRPr lang="en-US" altLang="zh-TW" sz="6400" b="1" dirty="0">
+              <a:solidFill>
+                <a:srgbClr val="000066"/>
+              </a:solidFill>
               <a:latin typeface="Microsoft JhengHei" panose="020B0604030504040204" pitchFamily="34" charset="-120"/>
               <a:ea typeface="Microsoft JhengHei" panose="020B0604030504040204" pitchFamily="34" charset="-120"/>
             </a:endParaRPr>
           </a:p>
           <a:p>
-            <a:pPr marL="0" indent="0" algn="ctr">
+            <a:pPr algn="ctr">
               <a:buNone/>
             </a:pPr>
             <a:r>
-              <a:rPr lang="zh-TW" altLang="en-US" sz="5400" b="1" dirty="0">
-                <a:latin typeface="Microsoft JhengHei" panose="020B0604030504040204" pitchFamily="34" charset="-120"/>
-                <a:ea typeface="Microsoft JhengHei" panose="020B0604030504040204" pitchFamily="34" charset="-120"/>
-              </a:rPr>
-              <a:t>祢</a:t>
-            </a:r>
-            <a:r>
-              <a:rPr lang="zh-TW" altLang="en-US" sz="5400" b="1" dirty="0">
-                <a:latin typeface="Microsoft JhengHei" panose="020B0604030504040204" pitchFamily="34" charset="-120"/>
-                <a:ea typeface="Microsoft JhengHei" panose="020B0604030504040204" pitchFamily="34" charset="-120"/>
-              </a:rPr>
-              <a:t>的榮耀高過諸天 </a:t>
-            </a:r>
-            <a:endParaRPr lang="en-US" altLang="zh-TW" sz="5400" b="1" dirty="0">
-              <a:latin typeface="Microsoft JhengHei" panose="020B0604030504040204" pitchFamily="34" charset="-120"/>
-              <a:ea typeface="Microsoft JhengHei" panose="020B0604030504040204" pitchFamily="34" charset="-120"/>
+              <a:rPr lang="zh-TW" altLang="en-US" sz="6400" b="1" dirty="0">
+                <a:solidFill>
+                  <a:srgbClr val="000066"/>
+                </a:solidFill>
+                <a:latin typeface="Microsoft JhengHei" panose="020B0604030504040204" pitchFamily="34" charset="-120"/>
+                <a:ea typeface="Microsoft JhengHei" panose="020B0604030504040204" pitchFamily="34" charset="-120"/>
+              </a:rPr>
+              <a:t>直到永遠</a:t>
+            </a:r>
+            <a:endParaRPr lang="en-US" altLang="zh-TW" sz="6400" b="1" dirty="0">
+              <a:solidFill>
+                <a:srgbClr val="000066"/>
+              </a:solidFill>
+              <a:latin typeface="微軟正黑體" pitchFamily="34" charset="-120"/>
+              <a:ea typeface="微軟正黑體" pitchFamily="34" charset="-120"/>
             </a:endParaRPr>
           </a:p>
-          <a:p>
-            <a:pPr marL="0" indent="0" algn="ctr">
-              <a:buNone/>
-            </a:pPr>
-            <a:r>
-              <a:rPr lang="zh-TW" altLang="en-US" sz="5400" b="1" dirty="0">
-                <a:latin typeface="Microsoft JhengHei" panose="020B0604030504040204" pitchFamily="34" charset="-120"/>
-                <a:ea typeface="Microsoft JhengHei" panose="020B0604030504040204" pitchFamily="34" charset="-120"/>
-              </a:rPr>
-              <a:t>我</a:t>
-            </a:r>
-            <a:r>
-              <a:rPr lang="zh-TW" altLang="en-US" sz="5400" b="1" dirty="0">
-                <a:latin typeface="Microsoft JhengHei" panose="020B0604030504040204" pitchFamily="34" charset="-120"/>
-                <a:ea typeface="Microsoft JhengHei" panose="020B0604030504040204" pitchFamily="34" charset="-120"/>
-              </a:rPr>
-              <a:t>讚美祢主耶和華 </a:t>
-            </a:r>
-            <a:endParaRPr lang="en-US" altLang="zh-TW" sz="5400" b="1" dirty="0">
-              <a:latin typeface="Microsoft JhengHei" panose="020B0604030504040204" pitchFamily="34" charset="-120"/>
-              <a:ea typeface="Microsoft JhengHei" panose="020B0604030504040204" pitchFamily="34" charset="-120"/>
-            </a:endParaRPr>
-          </a:p>
-          <a:p>
-            <a:pPr marL="0" indent="0" algn="ctr">
-              <a:buNone/>
-            </a:pPr>
-            <a:r>
-              <a:rPr lang="zh-TW" altLang="en-US" sz="5400" b="1" dirty="0">
-                <a:latin typeface="Microsoft JhengHei" panose="020B0604030504040204" pitchFamily="34" charset="-120"/>
-                <a:ea typeface="Microsoft JhengHei" panose="020B0604030504040204" pitchFamily="34" charset="-120"/>
-              </a:rPr>
-              <a:t>祢</a:t>
-            </a:r>
-            <a:r>
-              <a:rPr lang="zh-TW" altLang="en-US" sz="5400" b="1" dirty="0">
-                <a:latin typeface="Microsoft JhengHei" panose="020B0604030504040204" pitchFamily="34" charset="-120"/>
-                <a:ea typeface="Microsoft JhengHei" panose="020B0604030504040204" pitchFamily="34" charset="-120"/>
-              </a:rPr>
-              <a:t>的榮耀充滿在天地之上</a:t>
-            </a:r>
-            <a:endParaRPr lang="vi-VN" sz="5400" b="1" dirty="0">
-              <a:latin typeface="Microsoft JhengHei" panose="020B0604030504040204" pitchFamily="34" charset="-120"/>
+        </p:txBody>
+      </p:sp>
+      <p:sp>
+        <p:nvSpPr>
+          <p:cNvPr id="3" name="TextBox 2"/>
+          <p:cNvSpPr txBox="1"/>
+          <p:nvPr/>
+        </p:nvSpPr>
+        <p:spPr>
+          <a:xfrm>
+            <a:off x="0" y="5214556"/>
+            <a:ext cx="12192000" cy="707886"/>
+          </a:xfrm>
+          <a:prstGeom prst="rect">
+            <a:avLst/>
+          </a:prstGeom>
+          <a:noFill/>
+        </p:spPr>
+        <p:txBody>
+          <a:bodyPr wrap="square" rtlCol="0">
+            <a:spAutoFit/>
+          </a:bodyPr>
+          <a:lstStyle/>
+          <a:p>
+            <a:pPr algn="ctr"/>
+            <a:r>
+              <a:rPr lang="en-US" sz="4000" b="1" dirty="0">
+                <a:solidFill>
+                  <a:srgbClr val="000066"/>
+                </a:solidFill>
+                <a:effectLst/>
+                <a:latin typeface="Microsoft JhengHei" panose="020B0604030504040204" pitchFamily="34" charset="-120"/>
+                <a:ea typeface="Microsoft JhengHei" panose="020B0604030504040204" pitchFamily="34" charset="-120"/>
+              </a:rPr>
+              <a:t>( </a:t>
+            </a:r>
+            <a:r>
+              <a:rPr lang="zh-CN" altLang="en-US" sz="4000" b="1" dirty="0" smtClean="0">
+                <a:solidFill>
+                  <a:srgbClr val="000066"/>
+                </a:solidFill>
+                <a:effectLst/>
+                <a:latin typeface="Microsoft JhengHei" panose="020B0604030504040204" pitchFamily="34" charset="-120"/>
+                <a:ea typeface="Microsoft JhengHei" panose="020B0604030504040204" pitchFamily="34" charset="-120"/>
+              </a:rPr>
+              <a:t>正</a:t>
+            </a:r>
+            <a:r>
+              <a:rPr lang="en-US" sz="4000" b="1" dirty="0" smtClean="0">
+                <a:solidFill>
+                  <a:srgbClr val="000066"/>
+                </a:solidFill>
+                <a:effectLst/>
+                <a:latin typeface="Microsoft JhengHei" panose="020B0604030504040204" pitchFamily="34" charset="-120"/>
+                <a:ea typeface="Microsoft JhengHei" panose="020B0604030504040204" pitchFamily="34" charset="-120"/>
+              </a:rPr>
+              <a:t> </a:t>
+            </a:r>
+            <a:r>
+              <a:rPr lang="en-US" sz="4000" b="1" dirty="0">
+                <a:solidFill>
+                  <a:srgbClr val="000066"/>
+                </a:solidFill>
+                <a:effectLst/>
+                <a:latin typeface="Microsoft JhengHei" panose="020B0604030504040204" pitchFamily="34" charset="-120"/>
+                <a:ea typeface="Microsoft JhengHei" panose="020B0604030504040204" pitchFamily="34" charset="-120"/>
+              </a:rPr>
+              <a:t>)</a:t>
+            </a:r>
+            <a:endParaRPr lang="vi-VN" sz="4000" b="1" dirty="0">
+              <a:solidFill>
+                <a:srgbClr val="000066"/>
+              </a:solidFill>
+              <a:effectLst/>
               <a:ea typeface="Microsoft JhengHei" panose="020B0604030504040204" pitchFamily="34" charset="-120"/>
             </a:endParaRPr>
           </a:p>
@@ -3589,7 +4317,7 @@
     </p:spTree>
     <p:extLst>
       <p:ext uri="{BB962C8B-B14F-4D97-AF65-F5344CB8AC3E}">
-        <p14:creationId xmlns:p14="http://schemas.microsoft.com/office/powerpoint/2010/main" val="1427155211"/>
+        <p14:creationId xmlns:p14="http://schemas.microsoft.com/office/powerpoint/2010/main" val="1853106653"/>
       </p:ext>
     </p:extLst>
   </p:cSld>
@@ -3618,115 +4346,391 @@
       </p:grpSpPr>
       <p:sp>
         <p:nvSpPr>
-          <p:cNvPr id="2" name="Title 1"/>
-          <p:cNvSpPr>
-            <a:spLocks noGrp="1"/>
-          </p:cNvSpPr>
-          <p:nvPr>
-            <p:ph type="title"/>
-          </p:nvPr>
-        </p:nvSpPr>
-        <p:spPr/>
-        <p:txBody>
-          <a:bodyPr>
+          <p:cNvPr id="5" name="內容版面配置區 4"/>
+          <p:cNvSpPr>
+            <a:spLocks noGrp="1"/>
+          </p:cNvSpPr>
+          <p:nvPr>
+            <p:ph idx="1"/>
+          </p:nvPr>
+        </p:nvSpPr>
+        <p:spPr>
+          <a:xfrm>
+            <a:off x="0" y="2084851"/>
+            <a:ext cx="12192000" cy="2404863"/>
+          </a:xfrm>
+        </p:spPr>
+        <p:txBody>
+          <a:bodyPr anchor="ctr">
             <a:normAutofit/>
           </a:bodyPr>
           <a:lstStyle/>
           <a:p>
-            <a:r>
-              <a:rPr lang="zh-TW" altLang="en-US" sz="4800" b="1" dirty="0">
-                <a:latin typeface="Microsoft JhengHei" panose="020B0604030504040204" pitchFamily="34" charset="-120"/>
-                <a:ea typeface="Microsoft JhengHei" panose="020B0604030504040204" pitchFamily="34" charset="-120"/>
-              </a:rPr>
-              <a:t>耶和華坐著為</a:t>
-            </a:r>
-            <a:r>
-              <a:rPr lang="zh-TW" altLang="en-US" sz="4800" b="1" dirty="0" smtClean="0">
-                <a:latin typeface="Microsoft JhengHei" panose="020B0604030504040204" pitchFamily="34" charset="-120"/>
-                <a:ea typeface="Microsoft JhengHei" panose="020B0604030504040204" pitchFamily="34" charset="-120"/>
-              </a:rPr>
-              <a:t>王</a:t>
-            </a:r>
-            <a:endParaRPr lang="vi-VN" sz="4800" b="1" dirty="0">
-              <a:ea typeface="Microsoft JhengHei" panose="020B0604030504040204" pitchFamily="34" charset="-120"/>
-            </a:endParaRPr>
-          </a:p>
-        </p:txBody>
-      </p:sp>
-      <p:sp>
-        <p:nvSpPr>
-          <p:cNvPr id="3" name="Content Placeholder 2"/>
-          <p:cNvSpPr>
-            <a:spLocks noGrp="1"/>
-          </p:cNvSpPr>
-          <p:nvPr>
-            <p:ph idx="1"/>
-          </p:nvPr>
-        </p:nvSpPr>
-        <p:spPr/>
-        <p:txBody>
-          <a:bodyPr>
-            <a:normAutofit/>
-          </a:bodyPr>
-          <a:lstStyle/>
-          <a:p>
-            <a:pPr marL="0" indent="0" algn="ctr">
+            <a:pPr algn="ctr">
               <a:buNone/>
             </a:pPr>
             <a:r>
-              <a:rPr lang="zh-TW" altLang="en-US" sz="5400" b="1" dirty="0">
-                <a:latin typeface="Microsoft JhengHei" panose="020B0604030504040204" pitchFamily="34" charset="-120"/>
-                <a:ea typeface="Microsoft JhengHei" panose="020B0604030504040204" pitchFamily="34" charset="-120"/>
-              </a:rPr>
-              <a:t>耶和華必賜力量 耶和華必賜平安 </a:t>
-            </a:r>
-            <a:endParaRPr lang="en-US" altLang="zh-TW" sz="5400" b="1" dirty="0">
+              <a:rPr lang="zh-TW" altLang="en-US" sz="6400" b="1" dirty="0">
+                <a:solidFill>
+                  <a:srgbClr val="000066"/>
+                </a:solidFill>
+                <a:latin typeface="Microsoft JhengHei" panose="020B0604030504040204" pitchFamily="34" charset="-120"/>
+                <a:ea typeface="Microsoft JhengHei" panose="020B0604030504040204" pitchFamily="34" charset="-120"/>
+              </a:rPr>
+              <a:t>耶和華坐著為王</a:t>
+            </a:r>
+            <a:endParaRPr lang="en-US" altLang="zh-TW" sz="6400" b="1" dirty="0">
+              <a:solidFill>
+                <a:srgbClr val="000066"/>
+              </a:solidFill>
               <a:latin typeface="Microsoft JhengHei" panose="020B0604030504040204" pitchFamily="34" charset="-120"/>
               <a:ea typeface="Microsoft JhengHei" panose="020B0604030504040204" pitchFamily="34" charset="-120"/>
             </a:endParaRPr>
           </a:p>
           <a:p>
-            <a:pPr marL="0" indent="0" algn="ctr">
+            <a:pPr algn="ctr">
               <a:buNone/>
             </a:pPr>
             <a:r>
-              <a:rPr lang="zh-TW" altLang="en-US" sz="5400" b="1" dirty="0">
-                <a:latin typeface="Microsoft JhengHei" panose="020B0604030504040204" pitchFamily="34" charset="-120"/>
-                <a:ea typeface="Microsoft JhengHei" panose="020B0604030504040204" pitchFamily="34" charset="-120"/>
-              </a:rPr>
-              <a:t>我</a:t>
-            </a:r>
-            <a:r>
-              <a:rPr lang="zh-TW" altLang="en-US" sz="5400" b="1" dirty="0">
-                <a:latin typeface="Microsoft JhengHei" panose="020B0604030504040204" pitchFamily="34" charset="-120"/>
-                <a:ea typeface="Microsoft JhengHei" panose="020B0604030504040204" pitchFamily="34" charset="-120"/>
-              </a:rPr>
-              <a:t>從深處求告祢 祢聆聽 </a:t>
-            </a:r>
-            <a:endParaRPr lang="en-US" altLang="zh-TW" sz="5400" b="1" dirty="0">
+              <a:rPr lang="zh-TW" altLang="en-US" sz="6400" b="1" dirty="0">
+                <a:solidFill>
+                  <a:srgbClr val="000066"/>
+                </a:solidFill>
+                <a:latin typeface="Microsoft JhengHei" panose="020B0604030504040204" pitchFamily="34" charset="-120"/>
+                <a:ea typeface="Microsoft JhengHei" panose="020B0604030504040204" pitchFamily="34" charset="-120"/>
+              </a:rPr>
+              <a:t>狂風巨浪的時候</a:t>
+            </a:r>
+            <a:endParaRPr lang="en-US" altLang="zh-TW" sz="6400" b="1" dirty="0">
+              <a:solidFill>
+                <a:srgbClr val="000066"/>
+              </a:solidFill>
+              <a:latin typeface="微軟正黑體" pitchFamily="34" charset="-120"/>
+              <a:ea typeface="微軟正黑體" pitchFamily="34" charset="-120"/>
+            </a:endParaRPr>
+          </a:p>
+        </p:txBody>
+      </p:sp>
+      <p:sp>
+        <p:nvSpPr>
+          <p:cNvPr id="3" name="TextBox 2"/>
+          <p:cNvSpPr txBox="1"/>
+          <p:nvPr/>
+        </p:nvSpPr>
+        <p:spPr>
+          <a:xfrm>
+            <a:off x="0" y="5214556"/>
+            <a:ext cx="12192000" cy="707886"/>
+          </a:xfrm>
+          <a:prstGeom prst="rect">
+            <a:avLst/>
+          </a:prstGeom>
+          <a:noFill/>
+        </p:spPr>
+        <p:txBody>
+          <a:bodyPr wrap="square" rtlCol="0">
+            <a:spAutoFit/>
+          </a:bodyPr>
+          <a:lstStyle/>
+          <a:p>
+            <a:pPr algn="ctr"/>
+            <a:r>
+              <a:rPr lang="en-US" sz="4000" b="1" dirty="0">
+                <a:solidFill>
+                  <a:srgbClr val="000066"/>
+                </a:solidFill>
+                <a:effectLst/>
+                <a:latin typeface="Microsoft JhengHei" panose="020B0604030504040204" pitchFamily="34" charset="-120"/>
+                <a:ea typeface="Microsoft JhengHei" panose="020B0604030504040204" pitchFamily="34" charset="-120"/>
+              </a:rPr>
+              <a:t>( </a:t>
+            </a:r>
+            <a:r>
+              <a:rPr lang="zh-CN" altLang="en-US" sz="4000" b="1" dirty="0" smtClean="0">
+                <a:solidFill>
+                  <a:srgbClr val="000066"/>
+                </a:solidFill>
+                <a:effectLst/>
+                <a:latin typeface="Microsoft JhengHei" panose="020B0604030504040204" pitchFamily="34" charset="-120"/>
+                <a:ea typeface="Microsoft JhengHei" panose="020B0604030504040204" pitchFamily="34" charset="-120"/>
+              </a:rPr>
+              <a:t>正</a:t>
+            </a:r>
+            <a:r>
+              <a:rPr lang="en-US" sz="4000" b="1" dirty="0" smtClean="0">
+                <a:solidFill>
+                  <a:srgbClr val="000066"/>
+                </a:solidFill>
+                <a:effectLst/>
+                <a:latin typeface="Microsoft JhengHei" panose="020B0604030504040204" pitchFamily="34" charset="-120"/>
+                <a:ea typeface="Microsoft JhengHei" panose="020B0604030504040204" pitchFamily="34" charset="-120"/>
+              </a:rPr>
+              <a:t> </a:t>
+            </a:r>
+            <a:r>
+              <a:rPr lang="en-US" sz="4000" b="1" dirty="0">
+                <a:solidFill>
+                  <a:srgbClr val="000066"/>
+                </a:solidFill>
+                <a:effectLst/>
+                <a:latin typeface="Microsoft JhengHei" panose="020B0604030504040204" pitchFamily="34" charset="-120"/>
+                <a:ea typeface="Microsoft JhengHei" panose="020B0604030504040204" pitchFamily="34" charset="-120"/>
+              </a:rPr>
+              <a:t>)</a:t>
+            </a:r>
+            <a:endParaRPr lang="vi-VN" sz="4000" b="1" dirty="0">
+              <a:solidFill>
+                <a:srgbClr val="000066"/>
+              </a:solidFill>
+              <a:effectLst/>
+              <a:ea typeface="Microsoft JhengHei" panose="020B0604030504040204" pitchFamily="34" charset="-120"/>
+            </a:endParaRPr>
+          </a:p>
+        </p:txBody>
+      </p:sp>
+    </p:spTree>
+    <p:extLst>
+      <p:ext uri="{BB962C8B-B14F-4D97-AF65-F5344CB8AC3E}">
+        <p14:creationId xmlns:p14="http://schemas.microsoft.com/office/powerpoint/2010/main" val="400169544"/>
+      </p:ext>
+    </p:extLst>
+  </p:cSld>
+  <p:clrMapOvr>
+    <a:masterClrMapping/>
+  </p:clrMapOvr>
+</p:sld>
+</file>
+
+<file path=ppt/slides/slide5.xml><?xml version="1.0" encoding="utf-8"?>
+<p:sld xmlns:a="http://schemas.openxmlformats.org/drawingml/2006/main" xmlns:r="http://schemas.openxmlformats.org/officeDocument/2006/relationships" xmlns:p="http://schemas.openxmlformats.org/presentationml/2006/main">
+  <p:cSld>
+    <p:spTree>
+      <p:nvGrpSpPr>
+        <p:cNvPr id="1" name=""/>
+        <p:cNvGrpSpPr/>
+        <p:nvPr/>
+      </p:nvGrpSpPr>
+      <p:grpSpPr>
+        <a:xfrm>
+          <a:off x="0" y="0"/>
+          <a:ext cx="0" cy="0"/>
+          <a:chOff x="0" y="0"/>
+          <a:chExt cx="0" cy="0"/>
+        </a:xfrm>
+      </p:grpSpPr>
+      <p:sp>
+        <p:nvSpPr>
+          <p:cNvPr id="5" name="內容版面配置區 4"/>
+          <p:cNvSpPr>
+            <a:spLocks noGrp="1"/>
+          </p:cNvSpPr>
+          <p:nvPr>
+            <p:ph idx="1"/>
+          </p:nvPr>
+        </p:nvSpPr>
+        <p:spPr>
+          <a:xfrm>
+            <a:off x="0" y="2084851"/>
+            <a:ext cx="12192000" cy="2404863"/>
+          </a:xfrm>
+        </p:spPr>
+        <p:txBody>
+          <a:bodyPr anchor="ctr">
+            <a:normAutofit/>
+          </a:bodyPr>
+          <a:lstStyle/>
+          <a:p>
+            <a:pPr algn="ctr">
+              <a:buNone/>
+            </a:pPr>
+            <a:r>
+              <a:rPr lang="zh-TW" altLang="en-US" sz="6400" b="1" dirty="0">
+                <a:solidFill>
+                  <a:srgbClr val="000066"/>
+                </a:solidFill>
+                <a:latin typeface="Microsoft JhengHei" panose="020B0604030504040204" pitchFamily="34" charset="-120"/>
+                <a:ea typeface="Microsoft JhengHei" panose="020B0604030504040204" pitchFamily="34" charset="-120"/>
+              </a:rPr>
+              <a:t>耶和華坐著為王</a:t>
+            </a:r>
+            <a:endParaRPr lang="en-US" altLang="zh-TW" sz="6400" b="1" dirty="0">
+              <a:solidFill>
+                <a:srgbClr val="000066"/>
+              </a:solidFill>
               <a:latin typeface="Microsoft JhengHei" panose="020B0604030504040204" pitchFamily="34" charset="-120"/>
               <a:ea typeface="Microsoft JhengHei" panose="020B0604030504040204" pitchFamily="34" charset="-120"/>
             </a:endParaRPr>
           </a:p>
           <a:p>
+            <a:pPr algn="ctr">
+              <a:buNone/>
+            </a:pPr>
+            <a:r>
+              <a:rPr lang="zh-TW" altLang="en-US" sz="6400" b="1" dirty="0">
+                <a:solidFill>
+                  <a:srgbClr val="000066"/>
+                </a:solidFill>
+                <a:latin typeface="Microsoft JhengHei" panose="020B0604030504040204" pitchFamily="34" charset="-120"/>
+                <a:ea typeface="Microsoft JhengHei" panose="020B0604030504040204" pitchFamily="34" charset="-120"/>
+              </a:rPr>
+              <a:t>直到永遠</a:t>
+            </a:r>
+            <a:endParaRPr lang="en-US" altLang="zh-TW" sz="6400" b="1" dirty="0">
+              <a:solidFill>
+                <a:srgbClr val="000066"/>
+              </a:solidFill>
+              <a:latin typeface="微軟正黑體" pitchFamily="34" charset="-120"/>
+              <a:ea typeface="微軟正黑體" pitchFamily="34" charset="-120"/>
+            </a:endParaRPr>
+          </a:p>
+        </p:txBody>
+      </p:sp>
+      <p:sp>
+        <p:nvSpPr>
+          <p:cNvPr id="3" name="TextBox 2"/>
+          <p:cNvSpPr txBox="1"/>
+          <p:nvPr/>
+        </p:nvSpPr>
+        <p:spPr>
+          <a:xfrm>
+            <a:off x="0" y="5214556"/>
+            <a:ext cx="12192000" cy="707886"/>
+          </a:xfrm>
+          <a:prstGeom prst="rect">
+            <a:avLst/>
+          </a:prstGeom>
+          <a:noFill/>
+        </p:spPr>
+        <p:txBody>
+          <a:bodyPr wrap="square" rtlCol="0">
+            <a:spAutoFit/>
+          </a:bodyPr>
+          <a:lstStyle/>
+          <a:p>
+            <a:pPr algn="ctr"/>
+            <a:r>
+              <a:rPr lang="en-US" sz="4000" b="1" dirty="0">
+                <a:solidFill>
+                  <a:srgbClr val="000066"/>
+                </a:solidFill>
+                <a:effectLst/>
+                <a:latin typeface="Microsoft JhengHei" panose="020B0604030504040204" pitchFamily="34" charset="-120"/>
+                <a:ea typeface="Microsoft JhengHei" panose="020B0604030504040204" pitchFamily="34" charset="-120"/>
+              </a:rPr>
+              <a:t>( </a:t>
+            </a:r>
+            <a:r>
+              <a:rPr lang="zh-CN" altLang="en-US" sz="4000" b="1" dirty="0" smtClean="0">
+                <a:solidFill>
+                  <a:srgbClr val="000066"/>
+                </a:solidFill>
+                <a:effectLst/>
+                <a:latin typeface="Microsoft JhengHei" panose="020B0604030504040204" pitchFamily="34" charset="-120"/>
+                <a:ea typeface="Microsoft JhengHei" panose="020B0604030504040204" pitchFamily="34" charset="-120"/>
+              </a:rPr>
+              <a:t>正</a:t>
+            </a:r>
+            <a:r>
+              <a:rPr lang="en-US" sz="4000" b="1" dirty="0" smtClean="0">
+                <a:solidFill>
+                  <a:srgbClr val="000066"/>
+                </a:solidFill>
+                <a:effectLst/>
+                <a:latin typeface="Microsoft JhengHei" panose="020B0604030504040204" pitchFamily="34" charset="-120"/>
+                <a:ea typeface="Microsoft JhengHei" panose="020B0604030504040204" pitchFamily="34" charset="-120"/>
+              </a:rPr>
+              <a:t> </a:t>
+            </a:r>
+            <a:r>
+              <a:rPr lang="en-US" sz="4000" b="1" dirty="0">
+                <a:solidFill>
+                  <a:srgbClr val="000066"/>
+                </a:solidFill>
+                <a:effectLst/>
+                <a:latin typeface="Microsoft JhengHei" panose="020B0604030504040204" pitchFamily="34" charset="-120"/>
+                <a:ea typeface="Microsoft JhengHei" panose="020B0604030504040204" pitchFamily="34" charset="-120"/>
+              </a:rPr>
+              <a:t>)</a:t>
+            </a:r>
+            <a:endParaRPr lang="vi-VN" sz="4000" b="1" dirty="0">
+              <a:solidFill>
+                <a:srgbClr val="000066"/>
+              </a:solidFill>
+              <a:effectLst/>
+              <a:ea typeface="Microsoft JhengHei" panose="020B0604030504040204" pitchFamily="34" charset="-120"/>
+            </a:endParaRPr>
+          </a:p>
+        </p:txBody>
+      </p:sp>
+    </p:spTree>
+    <p:extLst>
+      <p:ext uri="{BB962C8B-B14F-4D97-AF65-F5344CB8AC3E}">
+        <p14:creationId xmlns:p14="http://schemas.microsoft.com/office/powerpoint/2010/main" val="2864058933"/>
+      </p:ext>
+    </p:extLst>
+  </p:cSld>
+  <p:clrMapOvr>
+    <a:masterClrMapping/>
+  </p:clrMapOvr>
+</p:sld>
+</file>
+
+<file path=ppt/slides/slide6.xml><?xml version="1.0" encoding="utf-8"?>
+<p:sld xmlns:a="http://schemas.openxmlformats.org/drawingml/2006/main" xmlns:r="http://schemas.openxmlformats.org/officeDocument/2006/relationships" xmlns:p="http://schemas.openxmlformats.org/presentationml/2006/main">
+  <p:cSld>
+    <p:spTree>
+      <p:nvGrpSpPr>
+        <p:cNvPr id="1" name=""/>
+        <p:cNvGrpSpPr/>
+        <p:nvPr/>
+      </p:nvGrpSpPr>
+      <p:grpSpPr>
+        <a:xfrm>
+          <a:off x="0" y="0"/>
+          <a:ext cx="0" cy="0"/>
+          <a:chOff x="0" y="0"/>
+          <a:chExt cx="0" cy="0"/>
+        </a:xfrm>
+      </p:grpSpPr>
+      <p:sp>
+        <p:nvSpPr>
+          <p:cNvPr id="5" name="內容版面配置區 4"/>
+          <p:cNvSpPr>
+            <a:spLocks noGrp="1"/>
+          </p:cNvSpPr>
+          <p:nvPr>
+            <p:ph idx="1"/>
+          </p:nvPr>
+        </p:nvSpPr>
+        <p:spPr>
+          <a:xfrm>
+            <a:off x="0" y="2084851"/>
+            <a:ext cx="12192000" cy="2404863"/>
+          </a:xfrm>
+        </p:spPr>
+        <p:txBody>
+          <a:bodyPr anchor="ctr">
+            <a:normAutofit/>
+          </a:bodyPr>
+          <a:lstStyle/>
+          <a:p>
             <a:pPr marL="0" indent="0" algn="ctr">
               <a:buNone/>
             </a:pPr>
             <a:r>
-              <a:rPr lang="zh-TW" altLang="en-US" sz="5400" b="1" dirty="0">
-                <a:latin typeface="Microsoft JhengHei" panose="020B0604030504040204" pitchFamily="34" charset="-120"/>
-                <a:ea typeface="Microsoft JhengHei" panose="020B0604030504040204" pitchFamily="34" charset="-120"/>
-              </a:rPr>
-              <a:t>耶</a:t>
-            </a:r>
-            <a:r>
-              <a:rPr lang="zh-TW" altLang="en-US" sz="5400" b="1" dirty="0">
-                <a:latin typeface="Microsoft JhengHei" panose="020B0604030504040204" pitchFamily="34" charset="-120"/>
-                <a:ea typeface="Microsoft JhengHei" panose="020B0604030504040204" pitchFamily="34" charset="-120"/>
-              </a:rPr>
-              <a:t>和華必賜力量 耶和華必賜平安 </a:t>
-            </a:r>
-            <a:endParaRPr lang="en-US" altLang="zh-TW" sz="5400" b="1" dirty="0">
+              <a:rPr lang="zh-TW" altLang="en-US" sz="6400" b="1" dirty="0">
+                <a:solidFill>
+                  <a:srgbClr val="000066"/>
+                </a:solidFill>
+                <a:latin typeface="Microsoft JhengHei" panose="020B0604030504040204" pitchFamily="34" charset="-120"/>
+                <a:ea typeface="Microsoft JhengHei" panose="020B0604030504040204" pitchFamily="34" charset="-120"/>
+              </a:rPr>
+              <a:t>耶和華超乎萬民之上 </a:t>
+            </a:r>
+            <a:endParaRPr lang="en-US" altLang="zh-TW" sz="6400" b="1" dirty="0">
+              <a:solidFill>
+                <a:srgbClr val="000066"/>
+              </a:solidFill>
               <a:latin typeface="Microsoft JhengHei" panose="020B0604030504040204" pitchFamily="34" charset="-120"/>
               <a:ea typeface="Microsoft JhengHei" panose="020B0604030504040204" pitchFamily="34" charset="-120"/>
             </a:endParaRPr>
@@ -3736,30 +4740,628 @@
               <a:buNone/>
             </a:pPr>
             <a:r>
-              <a:rPr lang="zh-TW" altLang="en-US" sz="5400" b="1" dirty="0">
-                <a:latin typeface="Microsoft JhengHei" panose="020B0604030504040204" pitchFamily="34" charset="-120"/>
-                <a:ea typeface="Microsoft JhengHei" panose="020B0604030504040204" pitchFamily="34" charset="-120"/>
-              </a:rPr>
-              <a:t>因</a:t>
-            </a:r>
-            <a:r>
-              <a:rPr lang="zh-TW" altLang="en-US" sz="5400" b="1" dirty="0">
-                <a:latin typeface="Microsoft JhengHei" panose="020B0604030504040204" pitchFamily="34" charset="-120"/>
-                <a:ea typeface="Microsoft JhengHei" panose="020B0604030504040204" pitchFamily="34" charset="-120"/>
-              </a:rPr>
-              <a:t>祢豐盛的救恩 我仰望祢</a:t>
-            </a:r>
-            <a:endParaRPr lang="vi-VN" sz="5400" b="1" dirty="0">
+              <a:rPr lang="zh-TW" altLang="en-US" sz="6400" b="1" dirty="0">
+                <a:solidFill>
+                  <a:srgbClr val="000066"/>
+                </a:solidFill>
+                <a:latin typeface="Microsoft JhengHei" panose="020B0604030504040204" pitchFamily="34" charset="-120"/>
+                <a:ea typeface="Microsoft JhengHei" panose="020B0604030504040204" pitchFamily="34" charset="-120"/>
+              </a:rPr>
+              <a:t>祢的榮耀高過諸天</a:t>
+            </a:r>
+            <a:endParaRPr lang="en-US" altLang="zh-TW" sz="6400" b="1" dirty="0">
+              <a:solidFill>
+                <a:srgbClr val="000066"/>
+              </a:solidFill>
+              <a:latin typeface="微軟正黑體" pitchFamily="34" charset="-120"/>
+              <a:ea typeface="微軟正黑體" pitchFamily="34" charset="-120"/>
+            </a:endParaRPr>
+          </a:p>
+        </p:txBody>
+      </p:sp>
+      <p:sp>
+        <p:nvSpPr>
+          <p:cNvPr id="3" name="TextBox 2"/>
+          <p:cNvSpPr txBox="1"/>
+          <p:nvPr/>
+        </p:nvSpPr>
+        <p:spPr>
+          <a:xfrm>
+            <a:off x="0" y="5214556"/>
+            <a:ext cx="12192000" cy="707886"/>
+          </a:xfrm>
+          <a:prstGeom prst="rect">
+            <a:avLst/>
+          </a:prstGeom>
+          <a:noFill/>
+        </p:spPr>
+        <p:txBody>
+          <a:bodyPr wrap="square" rtlCol="0">
+            <a:spAutoFit/>
+          </a:bodyPr>
+          <a:lstStyle/>
+          <a:p>
+            <a:pPr algn="ctr"/>
+            <a:r>
+              <a:rPr lang="en-US" sz="4000" b="1" dirty="0">
+                <a:solidFill>
+                  <a:srgbClr val="000066"/>
+                </a:solidFill>
+                <a:effectLst/>
+                <a:latin typeface="Microsoft JhengHei" panose="020B0604030504040204" pitchFamily="34" charset="-120"/>
+                <a:ea typeface="Microsoft JhengHei" panose="020B0604030504040204" pitchFamily="34" charset="-120"/>
+              </a:rPr>
+              <a:t>( </a:t>
+            </a:r>
+            <a:r>
+              <a:rPr lang="zh-CN" altLang="en-US" sz="4000" b="1" dirty="0" smtClean="0">
+                <a:solidFill>
+                  <a:srgbClr val="000066"/>
+                </a:solidFill>
+                <a:effectLst/>
+                <a:latin typeface="Microsoft JhengHei" panose="020B0604030504040204" pitchFamily="34" charset="-120"/>
+                <a:ea typeface="Microsoft JhengHei" panose="020B0604030504040204" pitchFamily="34" charset="-120"/>
+              </a:rPr>
+              <a:t>副</a:t>
+            </a:r>
+            <a:r>
+              <a:rPr lang="en-US" sz="4000" b="1" dirty="0" smtClean="0">
+                <a:solidFill>
+                  <a:srgbClr val="000066"/>
+                </a:solidFill>
+                <a:effectLst/>
+                <a:latin typeface="Microsoft JhengHei" panose="020B0604030504040204" pitchFamily="34" charset="-120"/>
+                <a:ea typeface="Microsoft JhengHei" panose="020B0604030504040204" pitchFamily="34" charset="-120"/>
+              </a:rPr>
+              <a:t> </a:t>
+            </a:r>
+            <a:r>
+              <a:rPr lang="en-US" sz="4000" b="1" dirty="0">
+                <a:solidFill>
+                  <a:srgbClr val="000066"/>
+                </a:solidFill>
+                <a:effectLst/>
+                <a:latin typeface="Microsoft JhengHei" panose="020B0604030504040204" pitchFamily="34" charset="-120"/>
+                <a:ea typeface="Microsoft JhengHei" panose="020B0604030504040204" pitchFamily="34" charset="-120"/>
+              </a:rPr>
+              <a:t>)</a:t>
+            </a:r>
+            <a:endParaRPr lang="vi-VN" sz="4000" b="1" dirty="0">
+              <a:solidFill>
+                <a:srgbClr val="000066"/>
+              </a:solidFill>
+              <a:effectLst/>
+              <a:ea typeface="Microsoft JhengHei" panose="020B0604030504040204" pitchFamily="34" charset="-120"/>
+            </a:endParaRPr>
+          </a:p>
+        </p:txBody>
+      </p:sp>
+    </p:spTree>
+    <p:extLst>
+      <p:ext uri="{BB962C8B-B14F-4D97-AF65-F5344CB8AC3E}">
+        <p14:creationId xmlns:p14="http://schemas.microsoft.com/office/powerpoint/2010/main" val="49136745"/>
+      </p:ext>
+    </p:extLst>
+  </p:cSld>
+  <p:clrMapOvr>
+    <a:masterClrMapping/>
+  </p:clrMapOvr>
+</p:sld>
+</file>
+
+<file path=ppt/slides/slide7.xml><?xml version="1.0" encoding="utf-8"?>
+<p:sld xmlns:a="http://schemas.openxmlformats.org/drawingml/2006/main" xmlns:r="http://schemas.openxmlformats.org/officeDocument/2006/relationships" xmlns:p="http://schemas.openxmlformats.org/presentationml/2006/main">
+  <p:cSld>
+    <p:spTree>
+      <p:nvGrpSpPr>
+        <p:cNvPr id="1" name=""/>
+        <p:cNvGrpSpPr/>
+        <p:nvPr/>
+      </p:nvGrpSpPr>
+      <p:grpSpPr>
+        <a:xfrm>
+          <a:off x="0" y="0"/>
+          <a:ext cx="0" cy="0"/>
+          <a:chOff x="0" y="0"/>
+          <a:chExt cx="0" cy="0"/>
+        </a:xfrm>
+      </p:grpSpPr>
+      <p:sp>
+        <p:nvSpPr>
+          <p:cNvPr id="5" name="內容版面配置區 4"/>
+          <p:cNvSpPr>
+            <a:spLocks noGrp="1"/>
+          </p:cNvSpPr>
+          <p:nvPr>
+            <p:ph idx="1"/>
+          </p:nvPr>
+        </p:nvSpPr>
+        <p:spPr>
+          <a:xfrm>
+            <a:off x="0" y="2084851"/>
+            <a:ext cx="12192000" cy="2404863"/>
+          </a:xfrm>
+        </p:spPr>
+        <p:txBody>
+          <a:bodyPr anchor="ctr">
+            <a:normAutofit/>
+          </a:bodyPr>
+          <a:lstStyle/>
+          <a:p>
+            <a:pPr marL="0" indent="0" algn="ctr">
+              <a:buNone/>
+            </a:pPr>
+            <a:r>
+              <a:rPr lang="zh-TW" altLang="en-US" sz="6400" b="1" dirty="0">
+                <a:solidFill>
+                  <a:srgbClr val="000066"/>
+                </a:solidFill>
+                <a:latin typeface="Microsoft JhengHei" panose="020B0604030504040204" pitchFamily="34" charset="-120"/>
+                <a:ea typeface="Microsoft JhengHei" panose="020B0604030504040204" pitchFamily="34" charset="-120"/>
+              </a:rPr>
+              <a:t>我讚美祢主耶和華 </a:t>
+            </a:r>
+            <a:endParaRPr lang="en-US" altLang="zh-TW" sz="6400" b="1" dirty="0">
+              <a:solidFill>
+                <a:srgbClr val="000066"/>
+              </a:solidFill>
               <a:latin typeface="Microsoft JhengHei" panose="020B0604030504040204" pitchFamily="34" charset="-120"/>
               <a:ea typeface="Microsoft JhengHei" panose="020B0604030504040204" pitchFamily="34" charset="-120"/>
             </a:endParaRPr>
           </a:p>
+          <a:p>
+            <a:pPr marL="0" indent="0" algn="ctr">
+              <a:buNone/>
+            </a:pPr>
+            <a:r>
+              <a:rPr lang="zh-TW" altLang="en-US" sz="6400" b="1" dirty="0">
+                <a:solidFill>
+                  <a:srgbClr val="000066"/>
+                </a:solidFill>
+                <a:latin typeface="Microsoft JhengHei" panose="020B0604030504040204" pitchFamily="34" charset="-120"/>
+                <a:ea typeface="Microsoft JhengHei" panose="020B0604030504040204" pitchFamily="34" charset="-120"/>
+              </a:rPr>
+              <a:t>唯有祢  祢的名被尊崇</a:t>
+            </a:r>
+            <a:endParaRPr lang="vi-VN" sz="6400" b="1" dirty="0">
+              <a:solidFill>
+                <a:srgbClr val="000066"/>
+              </a:solidFill>
+              <a:latin typeface="Microsoft JhengHei" panose="020B0604030504040204" pitchFamily="34" charset="-120"/>
+              <a:ea typeface="Microsoft JhengHei" panose="020B0604030504040204" pitchFamily="34" charset="-120"/>
+            </a:endParaRPr>
+          </a:p>
+        </p:txBody>
+      </p:sp>
+      <p:sp>
+        <p:nvSpPr>
+          <p:cNvPr id="3" name="TextBox 2"/>
+          <p:cNvSpPr txBox="1"/>
+          <p:nvPr/>
+        </p:nvSpPr>
+        <p:spPr>
+          <a:xfrm>
+            <a:off x="0" y="5214556"/>
+            <a:ext cx="12192000" cy="707886"/>
+          </a:xfrm>
+          <a:prstGeom prst="rect">
+            <a:avLst/>
+          </a:prstGeom>
+          <a:noFill/>
+        </p:spPr>
+        <p:txBody>
+          <a:bodyPr wrap="square" rtlCol="0">
+            <a:spAutoFit/>
+          </a:bodyPr>
+          <a:lstStyle/>
+          <a:p>
+            <a:pPr algn="ctr"/>
+            <a:r>
+              <a:rPr lang="en-US" sz="4000" b="1" dirty="0">
+                <a:solidFill>
+                  <a:srgbClr val="000066"/>
+                </a:solidFill>
+                <a:effectLst/>
+                <a:latin typeface="Microsoft JhengHei" panose="020B0604030504040204" pitchFamily="34" charset="-120"/>
+                <a:ea typeface="Microsoft JhengHei" panose="020B0604030504040204" pitchFamily="34" charset="-120"/>
+              </a:rPr>
+              <a:t>( </a:t>
+            </a:r>
+            <a:r>
+              <a:rPr lang="zh-CN" altLang="en-US" sz="4000" b="1" dirty="0" smtClean="0">
+                <a:solidFill>
+                  <a:srgbClr val="000066"/>
+                </a:solidFill>
+                <a:effectLst/>
+                <a:latin typeface="Microsoft JhengHei" panose="020B0604030504040204" pitchFamily="34" charset="-120"/>
+                <a:ea typeface="Microsoft JhengHei" panose="020B0604030504040204" pitchFamily="34" charset="-120"/>
+              </a:rPr>
+              <a:t>副</a:t>
+            </a:r>
+            <a:r>
+              <a:rPr lang="en-US" sz="4000" b="1" dirty="0" smtClean="0">
+                <a:solidFill>
+                  <a:srgbClr val="000066"/>
+                </a:solidFill>
+                <a:effectLst/>
+                <a:latin typeface="Microsoft JhengHei" panose="020B0604030504040204" pitchFamily="34" charset="-120"/>
+                <a:ea typeface="Microsoft JhengHei" panose="020B0604030504040204" pitchFamily="34" charset="-120"/>
+              </a:rPr>
+              <a:t> </a:t>
+            </a:r>
+            <a:r>
+              <a:rPr lang="en-US" sz="4000" b="1" dirty="0">
+                <a:solidFill>
+                  <a:srgbClr val="000066"/>
+                </a:solidFill>
+                <a:effectLst/>
+                <a:latin typeface="Microsoft JhengHei" panose="020B0604030504040204" pitchFamily="34" charset="-120"/>
+                <a:ea typeface="Microsoft JhengHei" panose="020B0604030504040204" pitchFamily="34" charset="-120"/>
+              </a:rPr>
+              <a:t>)</a:t>
+            </a:r>
+            <a:endParaRPr lang="vi-VN" sz="4000" b="1" dirty="0">
+              <a:solidFill>
+                <a:srgbClr val="000066"/>
+              </a:solidFill>
+              <a:effectLst/>
+              <a:ea typeface="Microsoft JhengHei" panose="020B0604030504040204" pitchFamily="34" charset="-120"/>
+            </a:endParaRPr>
+          </a:p>
         </p:txBody>
       </p:sp>
     </p:spTree>
     <p:extLst>
       <p:ext uri="{BB962C8B-B14F-4D97-AF65-F5344CB8AC3E}">
-        <p14:creationId xmlns:p14="http://schemas.microsoft.com/office/powerpoint/2010/main" val="4169338837"/>
+        <p14:creationId xmlns:p14="http://schemas.microsoft.com/office/powerpoint/2010/main" val="2065024718"/>
+      </p:ext>
+    </p:extLst>
+  </p:cSld>
+  <p:clrMapOvr>
+    <a:masterClrMapping/>
+  </p:clrMapOvr>
+</p:sld>
+</file>
+
+<file path=ppt/slides/slide8.xml><?xml version="1.0" encoding="utf-8"?>
+<p:sld xmlns:a="http://schemas.openxmlformats.org/drawingml/2006/main" xmlns:r="http://schemas.openxmlformats.org/officeDocument/2006/relationships" xmlns:p="http://schemas.openxmlformats.org/presentationml/2006/main">
+  <p:cSld>
+    <p:spTree>
+      <p:nvGrpSpPr>
+        <p:cNvPr id="1" name=""/>
+        <p:cNvGrpSpPr/>
+        <p:nvPr/>
+      </p:nvGrpSpPr>
+      <p:grpSpPr>
+        <a:xfrm>
+          <a:off x="0" y="0"/>
+          <a:ext cx="0" cy="0"/>
+          <a:chOff x="0" y="0"/>
+          <a:chExt cx="0" cy="0"/>
+        </a:xfrm>
+      </p:grpSpPr>
+      <p:sp>
+        <p:nvSpPr>
+          <p:cNvPr id="5" name="內容版面配置區 4"/>
+          <p:cNvSpPr>
+            <a:spLocks noGrp="1"/>
+          </p:cNvSpPr>
+          <p:nvPr>
+            <p:ph idx="1"/>
+          </p:nvPr>
+        </p:nvSpPr>
+        <p:spPr>
+          <a:xfrm>
+            <a:off x="0" y="2084851"/>
+            <a:ext cx="12192000" cy="2404863"/>
+          </a:xfrm>
+        </p:spPr>
+        <p:txBody>
+          <a:bodyPr anchor="ctr">
+            <a:normAutofit/>
+          </a:bodyPr>
+          <a:lstStyle/>
+          <a:p>
+            <a:pPr marL="0" indent="0" algn="ctr">
+              <a:buNone/>
+            </a:pPr>
+            <a:r>
+              <a:rPr lang="zh-TW" altLang="en-US" sz="6400" b="1" dirty="0">
+                <a:solidFill>
+                  <a:srgbClr val="000066"/>
+                </a:solidFill>
+                <a:latin typeface="Microsoft JhengHei" panose="020B0604030504040204" pitchFamily="34" charset="-120"/>
+                <a:ea typeface="Microsoft JhengHei" panose="020B0604030504040204" pitchFamily="34" charset="-120"/>
+              </a:rPr>
+              <a:t>耶和華超乎萬民之上 </a:t>
+            </a:r>
+            <a:endParaRPr lang="en-US" altLang="zh-TW" sz="6400" b="1" dirty="0">
+              <a:solidFill>
+                <a:srgbClr val="000066"/>
+              </a:solidFill>
+              <a:latin typeface="Microsoft JhengHei" panose="020B0604030504040204" pitchFamily="34" charset="-120"/>
+              <a:ea typeface="Microsoft JhengHei" panose="020B0604030504040204" pitchFamily="34" charset="-120"/>
+            </a:endParaRPr>
+          </a:p>
+          <a:p>
+            <a:pPr marL="0" indent="0" algn="ctr">
+              <a:buNone/>
+            </a:pPr>
+            <a:r>
+              <a:rPr lang="zh-TW" altLang="en-US" sz="6400" b="1" dirty="0">
+                <a:solidFill>
+                  <a:srgbClr val="000066"/>
+                </a:solidFill>
+                <a:latin typeface="Microsoft JhengHei" panose="020B0604030504040204" pitchFamily="34" charset="-120"/>
+                <a:ea typeface="Microsoft JhengHei" panose="020B0604030504040204" pitchFamily="34" charset="-120"/>
+              </a:rPr>
+              <a:t>祢的榮耀高過諸天</a:t>
+            </a:r>
+            <a:endParaRPr lang="en-US" altLang="zh-TW" sz="6400" b="1" dirty="0">
+              <a:solidFill>
+                <a:srgbClr val="000066"/>
+              </a:solidFill>
+              <a:latin typeface="微軟正黑體" pitchFamily="34" charset="-120"/>
+              <a:ea typeface="微軟正黑體" pitchFamily="34" charset="-120"/>
+            </a:endParaRPr>
+          </a:p>
+        </p:txBody>
+      </p:sp>
+      <p:sp>
+        <p:nvSpPr>
+          <p:cNvPr id="3" name="TextBox 2"/>
+          <p:cNvSpPr txBox="1"/>
+          <p:nvPr/>
+        </p:nvSpPr>
+        <p:spPr>
+          <a:xfrm>
+            <a:off x="0" y="5214556"/>
+            <a:ext cx="12192000" cy="707886"/>
+          </a:xfrm>
+          <a:prstGeom prst="rect">
+            <a:avLst/>
+          </a:prstGeom>
+          <a:noFill/>
+        </p:spPr>
+        <p:txBody>
+          <a:bodyPr wrap="square" rtlCol="0">
+            <a:spAutoFit/>
+          </a:bodyPr>
+          <a:lstStyle/>
+          <a:p>
+            <a:pPr algn="ctr"/>
+            <a:r>
+              <a:rPr lang="en-US" sz="4000" b="1" dirty="0">
+                <a:solidFill>
+                  <a:srgbClr val="000066"/>
+                </a:solidFill>
+                <a:effectLst/>
+                <a:latin typeface="Microsoft JhengHei" panose="020B0604030504040204" pitchFamily="34" charset="-120"/>
+                <a:ea typeface="Microsoft JhengHei" panose="020B0604030504040204" pitchFamily="34" charset="-120"/>
+              </a:rPr>
+              <a:t>( </a:t>
+            </a:r>
+            <a:r>
+              <a:rPr lang="zh-CN" altLang="en-US" sz="4000" b="1" dirty="0" smtClean="0">
+                <a:solidFill>
+                  <a:srgbClr val="000066"/>
+                </a:solidFill>
+                <a:effectLst/>
+                <a:latin typeface="Microsoft JhengHei" panose="020B0604030504040204" pitchFamily="34" charset="-120"/>
+                <a:ea typeface="Microsoft JhengHei" panose="020B0604030504040204" pitchFamily="34" charset="-120"/>
+              </a:rPr>
+              <a:t>副</a:t>
+            </a:r>
+            <a:r>
+              <a:rPr lang="en-US" sz="4000" b="1" dirty="0" smtClean="0">
+                <a:solidFill>
+                  <a:srgbClr val="000066"/>
+                </a:solidFill>
+                <a:effectLst/>
+                <a:latin typeface="Microsoft JhengHei" panose="020B0604030504040204" pitchFamily="34" charset="-120"/>
+                <a:ea typeface="Microsoft JhengHei" panose="020B0604030504040204" pitchFamily="34" charset="-120"/>
+              </a:rPr>
+              <a:t> </a:t>
+            </a:r>
+            <a:r>
+              <a:rPr lang="en-US" sz="4000" b="1" dirty="0">
+                <a:solidFill>
+                  <a:srgbClr val="000066"/>
+                </a:solidFill>
+                <a:effectLst/>
+                <a:latin typeface="Microsoft JhengHei" panose="020B0604030504040204" pitchFamily="34" charset="-120"/>
+                <a:ea typeface="Microsoft JhengHei" panose="020B0604030504040204" pitchFamily="34" charset="-120"/>
+              </a:rPr>
+              <a:t>)</a:t>
+            </a:r>
+            <a:endParaRPr lang="vi-VN" sz="4000" b="1" dirty="0">
+              <a:solidFill>
+                <a:srgbClr val="000066"/>
+              </a:solidFill>
+              <a:effectLst/>
+              <a:ea typeface="Microsoft JhengHei" panose="020B0604030504040204" pitchFamily="34" charset="-120"/>
+            </a:endParaRPr>
+          </a:p>
+        </p:txBody>
+      </p:sp>
+    </p:spTree>
+    <p:extLst>
+      <p:ext uri="{BB962C8B-B14F-4D97-AF65-F5344CB8AC3E}">
+        <p14:creationId xmlns:p14="http://schemas.microsoft.com/office/powerpoint/2010/main" val="288326053"/>
+      </p:ext>
+    </p:extLst>
+  </p:cSld>
+  <p:clrMapOvr>
+    <a:masterClrMapping/>
+  </p:clrMapOvr>
+</p:sld>
+</file>
+
+<file path=ppt/slides/slide9.xml><?xml version="1.0" encoding="utf-8"?>
+<p:sld xmlns:a="http://schemas.openxmlformats.org/drawingml/2006/main" xmlns:r="http://schemas.openxmlformats.org/officeDocument/2006/relationships" xmlns:p="http://schemas.openxmlformats.org/presentationml/2006/main">
+  <p:cSld>
+    <p:spTree>
+      <p:nvGrpSpPr>
+        <p:cNvPr id="1" name=""/>
+        <p:cNvGrpSpPr/>
+        <p:nvPr/>
+      </p:nvGrpSpPr>
+      <p:grpSpPr>
+        <a:xfrm>
+          <a:off x="0" y="0"/>
+          <a:ext cx="0" cy="0"/>
+          <a:chOff x="0" y="0"/>
+          <a:chExt cx="0" cy="0"/>
+        </a:xfrm>
+      </p:grpSpPr>
+      <p:sp>
+        <p:nvSpPr>
+          <p:cNvPr id="5" name="內容版面配置區 4"/>
+          <p:cNvSpPr>
+            <a:spLocks noGrp="1"/>
+          </p:cNvSpPr>
+          <p:nvPr>
+            <p:ph idx="1"/>
+          </p:nvPr>
+        </p:nvSpPr>
+        <p:spPr>
+          <a:xfrm>
+            <a:off x="0" y="2084851"/>
+            <a:ext cx="12192000" cy="2404863"/>
+          </a:xfrm>
+        </p:spPr>
+        <p:txBody>
+          <a:bodyPr anchor="ctr">
+            <a:normAutofit/>
+          </a:bodyPr>
+          <a:lstStyle/>
+          <a:p>
+            <a:pPr marL="0" indent="0" algn="ctr">
+              <a:buNone/>
+            </a:pPr>
+            <a:r>
+              <a:rPr lang="zh-TW" altLang="en-US" sz="6400" b="1" dirty="0">
+                <a:solidFill>
+                  <a:srgbClr val="000066"/>
+                </a:solidFill>
+                <a:latin typeface="Microsoft JhengHei" panose="020B0604030504040204" pitchFamily="34" charset="-120"/>
+                <a:ea typeface="Microsoft JhengHei" panose="020B0604030504040204" pitchFamily="34" charset="-120"/>
+              </a:rPr>
+              <a:t>我讚美祢主耶和華 </a:t>
+            </a:r>
+            <a:endParaRPr lang="en-US" altLang="zh-TW" sz="6400" b="1" dirty="0">
+              <a:solidFill>
+                <a:srgbClr val="000066"/>
+              </a:solidFill>
+              <a:latin typeface="Microsoft JhengHei" panose="020B0604030504040204" pitchFamily="34" charset="-120"/>
+              <a:ea typeface="Microsoft JhengHei" panose="020B0604030504040204" pitchFamily="34" charset="-120"/>
+            </a:endParaRPr>
+          </a:p>
+          <a:p>
+            <a:pPr marL="0" indent="0" algn="ctr">
+              <a:buNone/>
+            </a:pPr>
+            <a:r>
+              <a:rPr lang="zh-TW" altLang="en-US" sz="6400" b="1" dirty="0">
+                <a:solidFill>
+                  <a:srgbClr val="000066"/>
+                </a:solidFill>
+                <a:latin typeface="Microsoft JhengHei" panose="020B0604030504040204" pitchFamily="34" charset="-120"/>
+                <a:ea typeface="Microsoft JhengHei" panose="020B0604030504040204" pitchFamily="34" charset="-120"/>
+              </a:rPr>
+              <a:t>祢的榮耀充滿在天地之上</a:t>
+            </a:r>
+            <a:endParaRPr lang="vi-VN" sz="6400" b="1" dirty="0">
+              <a:solidFill>
+                <a:srgbClr val="000066"/>
+              </a:solidFill>
+              <a:latin typeface="Microsoft JhengHei" panose="020B0604030504040204" pitchFamily="34" charset="-120"/>
+              <a:ea typeface="Microsoft JhengHei" panose="020B0604030504040204" pitchFamily="34" charset="-120"/>
+            </a:endParaRPr>
+          </a:p>
+        </p:txBody>
+      </p:sp>
+      <p:sp>
+        <p:nvSpPr>
+          <p:cNvPr id="3" name="TextBox 2"/>
+          <p:cNvSpPr txBox="1"/>
+          <p:nvPr/>
+        </p:nvSpPr>
+        <p:spPr>
+          <a:xfrm>
+            <a:off x="0" y="5214556"/>
+            <a:ext cx="12192000" cy="707886"/>
+          </a:xfrm>
+          <a:prstGeom prst="rect">
+            <a:avLst/>
+          </a:prstGeom>
+          <a:noFill/>
+        </p:spPr>
+        <p:txBody>
+          <a:bodyPr wrap="square" rtlCol="0">
+            <a:spAutoFit/>
+          </a:bodyPr>
+          <a:lstStyle/>
+          <a:p>
+            <a:pPr algn="ctr"/>
+            <a:r>
+              <a:rPr lang="en-US" sz="4000" b="1" dirty="0">
+                <a:solidFill>
+                  <a:srgbClr val="000066"/>
+                </a:solidFill>
+                <a:effectLst/>
+                <a:latin typeface="Microsoft JhengHei" panose="020B0604030504040204" pitchFamily="34" charset="-120"/>
+                <a:ea typeface="Microsoft JhengHei" panose="020B0604030504040204" pitchFamily="34" charset="-120"/>
+              </a:rPr>
+              <a:t>( </a:t>
+            </a:r>
+            <a:r>
+              <a:rPr lang="zh-CN" altLang="en-US" sz="4000" b="1" dirty="0" smtClean="0">
+                <a:solidFill>
+                  <a:srgbClr val="000066"/>
+                </a:solidFill>
+                <a:effectLst/>
+                <a:latin typeface="Microsoft JhengHei" panose="020B0604030504040204" pitchFamily="34" charset="-120"/>
+                <a:ea typeface="Microsoft JhengHei" panose="020B0604030504040204" pitchFamily="34" charset="-120"/>
+              </a:rPr>
+              <a:t>副</a:t>
+            </a:r>
+            <a:r>
+              <a:rPr lang="en-US" sz="4000" b="1" dirty="0" smtClean="0">
+                <a:solidFill>
+                  <a:srgbClr val="000066"/>
+                </a:solidFill>
+                <a:effectLst/>
+                <a:latin typeface="Microsoft JhengHei" panose="020B0604030504040204" pitchFamily="34" charset="-120"/>
+                <a:ea typeface="Microsoft JhengHei" panose="020B0604030504040204" pitchFamily="34" charset="-120"/>
+              </a:rPr>
+              <a:t> </a:t>
+            </a:r>
+            <a:r>
+              <a:rPr lang="en-US" sz="4000" b="1" dirty="0">
+                <a:solidFill>
+                  <a:srgbClr val="000066"/>
+                </a:solidFill>
+                <a:effectLst/>
+                <a:latin typeface="Microsoft JhengHei" panose="020B0604030504040204" pitchFamily="34" charset="-120"/>
+                <a:ea typeface="Microsoft JhengHei" panose="020B0604030504040204" pitchFamily="34" charset="-120"/>
+              </a:rPr>
+              <a:t>)</a:t>
+            </a:r>
+            <a:endParaRPr lang="vi-VN" sz="4000" b="1" dirty="0">
+              <a:solidFill>
+                <a:srgbClr val="000066"/>
+              </a:solidFill>
+              <a:effectLst/>
+              <a:ea typeface="Microsoft JhengHei" panose="020B0604030504040204" pitchFamily="34" charset="-120"/>
+            </a:endParaRPr>
+          </a:p>
+        </p:txBody>
+      </p:sp>
+    </p:spTree>
+    <p:extLst>
+      <p:ext uri="{BB962C8B-B14F-4D97-AF65-F5344CB8AC3E}">
+        <p14:creationId xmlns:p14="http://schemas.microsoft.com/office/powerpoint/2010/main" val="1626250551"/>
       </p:ext>
     </p:extLst>
   </p:cSld>
